--- a/20242-NLP-LLM/Part 4 - LLM Applications - RAG and Agentic AI/Part 4 - LLM Applications - RAG and Agentic AI.pptx
+++ b/20242-NLP-LLM/Part 4 - LLM Applications - RAG and Agentic AI/Part 4 - LLM Applications - RAG and Agentic AI.pptx
@@ -140,8 +140,7 @@
 <file path=ppt/revisionInfo.xml><?xml version="1.0" encoding="utf-8"?>
 <p1510:revInfo xmlns:a="http://schemas.openxmlformats.org/drawingml/2006/main" xmlns:r="http://schemas.openxmlformats.org/officeDocument/2006/relationships" xmlns:p1510="http://schemas.microsoft.com/office/powerpoint/2015/10/main">
   <p1510:revLst>
-    <p1510:client id="{ADD9FE57-A7A9-43F7-9200-C0CB1A402878}" v="14" dt="2025-05-16T15:48:41.279"/>
-    <p1510:client id="{E5645173-9704-44B4-82F5-EF2938BAEEFE}" v="762" dt="2025-05-16T04:36:48.874"/>
+    <p1510:client id="{ADD9FE57-A7A9-43F7-9200-C0CB1A402878}" v="16" dt="2025-05-18T04:35:17.283"/>
   </p1510:revLst>
 </p1510:revInfo>
 </file>
@@ -1325,7 +1324,7 @@
   <pc:docChgLst>
     <pc:chgData name="Mohammed Fasha" userId="cc64f42d-a1a6-4f08-b97b-0c37f877119f" providerId="ADAL" clId="{ADD9FE57-A7A9-43F7-9200-C0CB1A402878}"/>
     <pc:docChg chg="undo custSel addSld delSld modSld">
-      <pc:chgData name="Mohammed Fasha" userId="cc64f42d-a1a6-4f08-b97b-0c37f877119f" providerId="ADAL" clId="{ADD9FE57-A7A9-43F7-9200-C0CB1A402878}" dt="2025-05-16T15:56:52.669" v="405" actId="113"/>
+      <pc:chgData name="Mohammed Fasha" userId="cc64f42d-a1a6-4f08-b97b-0c37f877119f" providerId="ADAL" clId="{ADD9FE57-A7A9-43F7-9200-C0CB1A402878}" dt="2025-05-18T04:35:17.283" v="407"/>
       <pc:docMkLst>
         <pc:docMk/>
       </pc:docMkLst>
@@ -2038,8 +2037,8 @@
           <pc:sldMk cId="3290031034" sldId="737"/>
         </pc:sldMkLst>
       </pc:sldChg>
-      <pc:sldChg chg="modSp new mod">
-        <pc:chgData name="Mohammed Fasha" userId="cc64f42d-a1a6-4f08-b97b-0c37f877119f" providerId="ADAL" clId="{ADD9FE57-A7A9-43F7-9200-C0CB1A402878}" dt="2025-05-16T15:45:44.702" v="74" actId="113"/>
+      <pc:sldChg chg="addSp modSp new mod">
+        <pc:chgData name="Mohammed Fasha" userId="cc64f42d-a1a6-4f08-b97b-0c37f877119f" providerId="ADAL" clId="{ADD9FE57-A7A9-43F7-9200-C0CB1A402878}" dt="2025-05-18T04:35:17.283" v="407"/>
         <pc:sldMkLst>
           <pc:docMk/>
           <pc:sldMk cId="3787425653" sldId="738"/>
@@ -2060,6 +2059,14 @@
             <ac:spMk id="3" creationId="{B6740B58-0846-0C77-D945-DDF8A369F37B}"/>
           </ac:spMkLst>
         </pc:spChg>
+        <pc:picChg chg="add mod">
+          <ac:chgData name="Mohammed Fasha" userId="cc64f42d-a1a6-4f08-b97b-0c37f877119f" providerId="ADAL" clId="{ADD9FE57-A7A9-43F7-9200-C0CB1A402878}" dt="2025-05-18T04:35:17.283" v="407"/>
+          <ac:picMkLst>
+            <pc:docMk/>
+            <pc:sldMk cId="3787425653" sldId="738"/>
+            <ac:picMk id="4" creationId="{49EA008E-9093-72A6-39E1-F648E71BFDF6}"/>
+          </ac:picMkLst>
+        </pc:picChg>
       </pc:sldChg>
       <pc:sldChg chg="addSp delSp modSp new mod modClrScheme chgLayout">
         <pc:chgData name="Mohammed Fasha" userId="cc64f42d-a1a6-4f08-b97b-0c37f877119f" providerId="ADAL" clId="{ADD9FE57-A7A9-43F7-9200-C0CB1A402878}" dt="2025-05-16T15:46:28.666" v="185" actId="404"/>
@@ -2067,22 +2074,6 @@
           <pc:docMk/>
           <pc:sldMk cId="4126610541" sldId="739"/>
         </pc:sldMkLst>
-        <pc:spChg chg="del mod ord">
-          <ac:chgData name="Mohammed Fasha" userId="cc64f42d-a1a6-4f08-b97b-0c37f877119f" providerId="ADAL" clId="{ADD9FE57-A7A9-43F7-9200-C0CB1A402878}" dt="2025-05-16T15:45:51.132" v="76" actId="700"/>
-          <ac:spMkLst>
-            <pc:docMk/>
-            <pc:sldMk cId="4126610541" sldId="739"/>
-            <ac:spMk id="2" creationId="{C3DCF827-248F-2AC2-50A1-6334D2AD708D}"/>
-          </ac:spMkLst>
-        </pc:spChg>
-        <pc:spChg chg="del mod ord">
-          <ac:chgData name="Mohammed Fasha" userId="cc64f42d-a1a6-4f08-b97b-0c37f877119f" providerId="ADAL" clId="{ADD9FE57-A7A9-43F7-9200-C0CB1A402878}" dt="2025-05-16T15:45:51.132" v="76" actId="700"/>
-          <ac:spMkLst>
-            <pc:docMk/>
-            <pc:sldMk cId="4126610541" sldId="739"/>
-            <ac:spMk id="3" creationId="{578F36D2-4E72-1D84-EB8F-41F657FDF125}"/>
-          </ac:spMkLst>
-        </pc:spChg>
         <pc:spChg chg="add mod ord">
           <ac:chgData name="Mohammed Fasha" userId="cc64f42d-a1a6-4f08-b97b-0c37f877119f" providerId="ADAL" clId="{ADD9FE57-A7A9-43F7-9200-C0CB1A402878}" dt="2025-05-16T15:46:28.666" v="185" actId="404"/>
           <ac:spMkLst>
@@ -2213,22 +2204,6 @@
           <pc:docMk/>
           <pc:sldMk cId="589059364" sldId="745"/>
         </pc:sldMkLst>
-        <pc:spChg chg="mod">
-          <ac:chgData name="Mohammed Fasha" userId="cc64f42d-a1a6-4f08-b97b-0c37f877119f" providerId="ADAL" clId="{ADD9FE57-A7A9-43F7-9200-C0CB1A402878}" dt="2025-05-16T15:48:36.728" v="310" actId="27636"/>
-          <ac:spMkLst>
-            <pc:docMk/>
-            <pc:sldMk cId="589059364" sldId="745"/>
-            <ac:spMk id="2" creationId="{5FE5A6E8-66B7-0EB5-F769-4505680FE443}"/>
-          </ac:spMkLst>
-        </pc:spChg>
-        <pc:spChg chg="mod">
-          <ac:chgData name="Mohammed Fasha" userId="cc64f42d-a1a6-4f08-b97b-0c37f877119f" providerId="ADAL" clId="{ADD9FE57-A7A9-43F7-9200-C0CB1A402878}" dt="2025-05-16T15:48:35.294" v="306" actId="21"/>
-          <ac:spMkLst>
-            <pc:docMk/>
-            <pc:sldMk cId="589059364" sldId="745"/>
-            <ac:spMk id="3" creationId="{94FC0E3B-D055-C86A-92F8-0380A48DFF5B}"/>
-          </ac:spMkLst>
-        </pc:spChg>
       </pc:sldChg>
       <pc:sldChg chg="addSp modSp add del mod">
         <pc:chgData name="Mohammed Fasha" userId="cc64f42d-a1a6-4f08-b97b-0c37f877119f" providerId="ADAL" clId="{ADD9FE57-A7A9-43F7-9200-C0CB1A402878}" dt="2025-05-16T15:54:36.616" v="364" actId="47"/>
@@ -2236,30 +2211,6 @@
           <pc:docMk/>
           <pc:sldMk cId="760035523" sldId="746"/>
         </pc:sldMkLst>
-        <pc:spChg chg="mod">
-          <ac:chgData name="Mohammed Fasha" userId="cc64f42d-a1a6-4f08-b97b-0c37f877119f" providerId="ADAL" clId="{ADD9FE57-A7A9-43F7-9200-C0CB1A402878}" dt="2025-05-16T15:48:54.285" v="325" actId="113"/>
-          <ac:spMkLst>
-            <pc:docMk/>
-            <pc:sldMk cId="760035523" sldId="746"/>
-            <ac:spMk id="2" creationId="{2055197A-A039-E0AA-EB04-30D0ABEAFA06}"/>
-          </ac:spMkLst>
-        </pc:spChg>
-        <pc:spChg chg="mod">
-          <ac:chgData name="Mohammed Fasha" userId="cc64f42d-a1a6-4f08-b97b-0c37f877119f" providerId="ADAL" clId="{ADD9FE57-A7A9-43F7-9200-C0CB1A402878}" dt="2025-05-16T15:49:46.154" v="330" actId="14100"/>
-          <ac:spMkLst>
-            <pc:docMk/>
-            <pc:sldMk cId="760035523" sldId="746"/>
-            <ac:spMk id="3" creationId="{35554F31-FDEC-9E52-D4D4-A97AE2345531}"/>
-          </ac:spMkLst>
-        </pc:spChg>
-        <pc:spChg chg="add mod">
-          <ac:chgData name="Mohammed Fasha" userId="cc64f42d-a1a6-4f08-b97b-0c37f877119f" providerId="ADAL" clId="{ADD9FE57-A7A9-43F7-9200-C0CB1A402878}" dt="2025-05-16T15:50:16.634" v="337" actId="2710"/>
-          <ac:spMkLst>
-            <pc:docMk/>
-            <pc:sldMk cId="760035523" sldId="746"/>
-            <ac:spMk id="5" creationId="{DF320E79-BC71-6973-9F92-46393A0EB19B}"/>
-          </ac:spMkLst>
-        </pc:spChg>
       </pc:sldChg>
       <pc:sldChg chg="addSp modSp add del mod">
         <pc:chgData name="Mohammed Fasha" userId="cc64f42d-a1a6-4f08-b97b-0c37f877119f" providerId="ADAL" clId="{ADD9FE57-A7A9-43F7-9200-C0CB1A402878}" dt="2025-05-16T15:54:37.172" v="365" actId="47"/>
@@ -2267,30 +2218,6 @@
           <pc:docMk/>
           <pc:sldMk cId="477001718" sldId="747"/>
         </pc:sldMkLst>
-        <pc:spChg chg="mod">
-          <ac:chgData name="Mohammed Fasha" userId="cc64f42d-a1a6-4f08-b97b-0c37f877119f" providerId="ADAL" clId="{ADD9FE57-A7A9-43F7-9200-C0CB1A402878}" dt="2025-05-16T15:50:38.701" v="344" actId="113"/>
-          <ac:spMkLst>
-            <pc:docMk/>
-            <pc:sldMk cId="477001718" sldId="747"/>
-            <ac:spMk id="2" creationId="{46C41479-1BAA-5F24-0D7D-08972E1739C9}"/>
-          </ac:spMkLst>
-        </pc:spChg>
-        <pc:spChg chg="mod">
-          <ac:chgData name="Mohammed Fasha" userId="cc64f42d-a1a6-4f08-b97b-0c37f877119f" providerId="ADAL" clId="{ADD9FE57-A7A9-43F7-9200-C0CB1A402878}" dt="2025-05-16T15:50:59.826" v="345" actId="14100"/>
-          <ac:spMkLst>
-            <pc:docMk/>
-            <pc:sldMk cId="477001718" sldId="747"/>
-            <ac:spMk id="3" creationId="{78D4DA9E-9E85-894A-EF4B-210E3E4849CA}"/>
-          </ac:spMkLst>
-        </pc:spChg>
-        <pc:spChg chg="add mod">
-          <ac:chgData name="Mohammed Fasha" userId="cc64f42d-a1a6-4f08-b97b-0c37f877119f" providerId="ADAL" clId="{ADD9FE57-A7A9-43F7-9200-C0CB1A402878}" dt="2025-05-16T15:51:33.641" v="362" actId="14100"/>
-          <ac:spMkLst>
-            <pc:docMk/>
-            <pc:sldMk cId="477001718" sldId="747"/>
-            <ac:spMk id="5" creationId="{B56C3FBE-D9EB-E3E2-F1F2-B8AB7756FB42}"/>
-          </ac:spMkLst>
-        </pc:spChg>
       </pc:sldChg>
       <pc:sldChg chg="add del">
         <pc:chgData name="Mohammed Fasha" userId="cc64f42d-a1a6-4f08-b97b-0c37f877119f" providerId="ADAL" clId="{ADD9FE57-A7A9-43F7-9200-C0CB1A402878}" dt="2025-05-16T15:54:37.735" v="366" actId="47"/>
@@ -5071,22 +4998,6 @@
           <pc:docMk/>
           <pc:sldMk cId="2399225158" sldId="523"/>
         </pc:sldMkLst>
-        <pc:spChg chg="mod">
-          <ac:chgData name="Mohammed Fasha" userId="cc64f42d-a1a6-4f08-b97b-0c37f877119f" providerId="ADAL" clId="{E5645173-9704-44B4-82F5-EF2938BAEEFE}" dt="2025-05-15T04:24:12.760" v="9493" actId="313"/>
-          <ac:spMkLst>
-            <pc:docMk/>
-            <pc:sldMk cId="2399225158" sldId="523"/>
-            <ac:spMk id="2" creationId="{138B03B8-D3CB-E120-0A40-13913A6145E3}"/>
-          </ac:spMkLst>
-        </pc:spChg>
-        <pc:spChg chg="add mod">
-          <ac:chgData name="Mohammed Fasha" userId="cc64f42d-a1a6-4f08-b97b-0c37f877119f" providerId="ADAL" clId="{E5645173-9704-44B4-82F5-EF2938BAEEFE}" dt="2025-05-15T05:07:39.770" v="10017" actId="20577"/>
-          <ac:spMkLst>
-            <pc:docMk/>
-            <pc:sldMk cId="2399225158" sldId="523"/>
-            <ac:spMk id="5" creationId="{5BD4F0B3-122A-D101-A616-B2FDED77B24D}"/>
-          </ac:spMkLst>
-        </pc:spChg>
       </pc:sldChg>
       <pc:sldChg chg="del">
         <pc:chgData name="Mohammed Fasha" userId="cc64f42d-a1a6-4f08-b97b-0c37f877119f" providerId="ADAL" clId="{E5645173-9704-44B4-82F5-EF2938BAEEFE}" dt="2025-04-17T04:46:36.270" v="523" actId="47"/>
@@ -5185,46 +5096,6 @@
           <pc:docMk/>
           <pc:sldMk cId="3886989038" sldId="538"/>
         </pc:sldMkLst>
-        <pc:picChg chg="add del mod">
-          <ac:chgData name="Mohammed Fasha" userId="cc64f42d-a1a6-4f08-b97b-0c37f877119f" providerId="ADAL" clId="{E5645173-9704-44B4-82F5-EF2938BAEEFE}" dt="2025-05-16T04:31:49.634" v="10264" actId="478"/>
-          <ac:picMkLst>
-            <pc:docMk/>
-            <pc:sldMk cId="3886989038" sldId="538"/>
-            <ac:picMk id="4" creationId="{B6B95104-10E9-9819-71AF-444CB07923B9}"/>
-          </ac:picMkLst>
-        </pc:picChg>
-        <pc:picChg chg="add del">
-          <ac:chgData name="Mohammed Fasha" userId="cc64f42d-a1a6-4f08-b97b-0c37f877119f" providerId="ADAL" clId="{E5645173-9704-44B4-82F5-EF2938BAEEFE}" dt="2025-05-16T04:34:42.168" v="10332" actId="21"/>
-          <ac:picMkLst>
-            <pc:docMk/>
-            <pc:sldMk cId="3886989038" sldId="538"/>
-            <ac:picMk id="6" creationId="{7F18B066-A10D-496D-501C-607C0DF8C423}"/>
-          </ac:picMkLst>
-        </pc:picChg>
-        <pc:picChg chg="add del mod">
-          <ac:chgData name="Mohammed Fasha" userId="cc64f42d-a1a6-4f08-b97b-0c37f877119f" providerId="ADAL" clId="{E5645173-9704-44B4-82F5-EF2938BAEEFE}" dt="2025-05-16T04:35:25.606" v="10340" actId="21"/>
-          <ac:picMkLst>
-            <pc:docMk/>
-            <pc:sldMk cId="3886989038" sldId="538"/>
-            <ac:picMk id="8" creationId="{58FEE496-BE6E-2DC0-B85C-A17DCDB3C65D}"/>
-          </ac:picMkLst>
-        </pc:picChg>
-        <pc:picChg chg="add mod">
-          <ac:chgData name="Mohammed Fasha" userId="cc64f42d-a1a6-4f08-b97b-0c37f877119f" providerId="ADAL" clId="{E5645173-9704-44B4-82F5-EF2938BAEEFE}" dt="2025-05-16T04:31:14.945" v="10253" actId="1076"/>
-          <ac:picMkLst>
-            <pc:docMk/>
-            <pc:sldMk cId="3886989038" sldId="538"/>
-            <ac:picMk id="2050" creationId="{6608844E-E7FF-401F-1B59-BCF9C1D39E94}"/>
-          </ac:picMkLst>
-        </pc:picChg>
-        <pc:picChg chg="add mod">
-          <ac:chgData name="Mohammed Fasha" userId="cc64f42d-a1a6-4f08-b97b-0c37f877119f" providerId="ADAL" clId="{E5645173-9704-44B4-82F5-EF2938BAEEFE}" dt="2025-05-16T04:35:32.039" v="10342" actId="1076"/>
-          <ac:picMkLst>
-            <pc:docMk/>
-            <pc:sldMk cId="3886989038" sldId="538"/>
-            <ac:picMk id="2052" creationId="{870E1483-4B0E-7BAB-DC28-1D050DDDFE90}"/>
-          </ac:picMkLst>
-        </pc:picChg>
       </pc:sldChg>
       <pc:sldChg chg="addSp delSp modSp del mod ord">
         <pc:chgData name="Mohammed Fasha" userId="cc64f42d-a1a6-4f08-b97b-0c37f877119f" providerId="ADAL" clId="{E5645173-9704-44B4-82F5-EF2938BAEEFE}" dt="2025-05-16T04:24:38.064" v="10232" actId="47"/>
@@ -5232,14 +5103,6 @@
           <pc:docMk/>
           <pc:sldMk cId="2121122174" sldId="539"/>
         </pc:sldMkLst>
-        <pc:spChg chg="mod">
-          <ac:chgData name="Mohammed Fasha" userId="cc64f42d-a1a6-4f08-b97b-0c37f877119f" providerId="ADAL" clId="{E5645173-9704-44B4-82F5-EF2938BAEEFE}" dt="2025-05-16T04:22:42.078" v="10203" actId="21"/>
-          <ac:spMkLst>
-            <pc:docMk/>
-            <pc:sldMk cId="2121122174" sldId="539"/>
-            <ac:spMk id="3" creationId="{E646A0DA-1B84-8ED0-EB37-1184187E49A0}"/>
-          </ac:spMkLst>
-        </pc:spChg>
       </pc:sldChg>
       <pc:sldChg chg="del">
         <pc:chgData name="Mohammed Fasha" userId="cc64f42d-a1a6-4f08-b97b-0c37f877119f" providerId="ADAL" clId="{E5645173-9704-44B4-82F5-EF2938BAEEFE}" dt="2025-04-20T03:12:14.095" v="1739" actId="47"/>
@@ -5541,22 +5404,6 @@
           <pc:docMk/>
           <pc:sldMk cId="1862335417" sldId="575"/>
         </pc:sldMkLst>
-        <pc:spChg chg="mod ord">
-          <ac:chgData name="Mohammed Fasha" userId="cc64f42d-a1a6-4f08-b97b-0c37f877119f" providerId="ADAL" clId="{E5645173-9704-44B4-82F5-EF2938BAEEFE}" dt="2025-05-16T04:21:00.559" v="10191" actId="6549"/>
-          <ac:spMkLst>
-            <pc:docMk/>
-            <pc:sldMk cId="1862335417" sldId="575"/>
-            <ac:spMk id="2" creationId="{D94A7341-1045-53F2-52C4-4E6F5A4B8DEC}"/>
-          </ac:spMkLst>
-        </pc:spChg>
-        <pc:spChg chg="mod ord">
-          <ac:chgData name="Mohammed Fasha" userId="cc64f42d-a1a6-4f08-b97b-0c37f877119f" providerId="ADAL" clId="{E5645173-9704-44B4-82F5-EF2938BAEEFE}" dt="2025-05-16T04:36:54.343" v="10355" actId="21"/>
-          <ac:spMkLst>
-            <pc:docMk/>
-            <pc:sldMk cId="1862335417" sldId="575"/>
-            <ac:spMk id="8" creationId="{559FC791-DDBC-AF94-0770-4686E29C2ECC}"/>
-          </ac:spMkLst>
-        </pc:spChg>
       </pc:sldChg>
       <pc:sldChg chg="addSp modSp new mod">
         <pc:chgData name="Mohammed Fasha" userId="cc64f42d-a1a6-4f08-b97b-0c37f877119f" providerId="ADAL" clId="{E5645173-9704-44B4-82F5-EF2938BAEEFE}" dt="2025-04-20T04:06:49.422" v="1832" actId="20577"/>
@@ -5662,22 +5509,6 @@
           <pc:docMk/>
           <pc:sldMk cId="1424455440" sldId="590"/>
         </pc:sldMkLst>
-        <pc:spChg chg="mod">
-          <ac:chgData name="Mohammed Fasha" userId="cc64f42d-a1a6-4f08-b97b-0c37f877119f" providerId="ADAL" clId="{E5645173-9704-44B4-82F5-EF2938BAEEFE}" dt="2025-05-16T04:16:07.327" v="10182" actId="20577"/>
-          <ac:spMkLst>
-            <pc:docMk/>
-            <pc:sldMk cId="1424455440" sldId="590"/>
-            <ac:spMk id="2" creationId="{28230D26-A762-B116-54A3-2A0026C76EB1}"/>
-          </ac:spMkLst>
-        </pc:spChg>
-        <pc:picChg chg="add mod">
-          <ac:chgData name="Mohammed Fasha" userId="cc64f42d-a1a6-4f08-b97b-0c37f877119f" providerId="ADAL" clId="{E5645173-9704-44B4-82F5-EF2938BAEEFE}" dt="2025-05-15T03:35:31.337" v="9080" actId="1076"/>
-          <ac:picMkLst>
-            <pc:docMk/>
-            <pc:sldMk cId="1424455440" sldId="590"/>
-            <ac:picMk id="5" creationId="{9D74FD9D-0601-0EB7-FC16-A9F6999342D9}"/>
-          </ac:picMkLst>
-        </pc:picChg>
       </pc:sldChg>
       <pc:sldChg chg="addSp delSp modSp new mod">
         <pc:chgData name="Mohammed Fasha" userId="cc64f42d-a1a6-4f08-b97b-0c37f877119f" providerId="ADAL" clId="{E5645173-9704-44B4-82F5-EF2938BAEEFE}" dt="2025-04-20T05:15:59.312" v="1992" actId="20577"/>
@@ -5804,14 +5635,6 @@
           <pc:docMk/>
           <pc:sldMk cId="4097123622" sldId="597"/>
         </pc:sldMkLst>
-        <pc:picChg chg="add del">
-          <ac:chgData name="Mohammed Fasha" userId="cc64f42d-a1a6-4f08-b97b-0c37f877119f" providerId="ADAL" clId="{E5645173-9704-44B4-82F5-EF2938BAEEFE}" dt="2025-05-15T03:19:02.676" v="8929" actId="21"/>
-          <ac:picMkLst>
-            <pc:docMk/>
-            <pc:sldMk cId="4097123622" sldId="597"/>
-            <ac:picMk id="5122" creationId="{6FDD2DD2-7C0F-B929-FF38-C78B9541F87E}"/>
-          </ac:picMkLst>
-        </pc:picChg>
       </pc:sldChg>
       <pc:sldChg chg="addSp delSp modSp new mod ord">
         <pc:chgData name="Mohammed Fasha" userId="cc64f42d-a1a6-4f08-b97b-0c37f877119f" providerId="ADAL" clId="{E5645173-9704-44B4-82F5-EF2938BAEEFE}" dt="2025-05-15T04:16:46.304" v="9304" actId="20577"/>
@@ -5819,14 +5642,6 @@
           <pc:docMk/>
           <pc:sldMk cId="3073893854" sldId="598"/>
         </pc:sldMkLst>
-        <pc:spChg chg="mod">
-          <ac:chgData name="Mohammed Fasha" userId="cc64f42d-a1a6-4f08-b97b-0c37f877119f" providerId="ADAL" clId="{E5645173-9704-44B4-82F5-EF2938BAEEFE}" dt="2025-05-15T04:16:46.304" v="9304" actId="20577"/>
-          <ac:spMkLst>
-            <pc:docMk/>
-            <pc:sldMk cId="3073893854" sldId="598"/>
-            <ac:spMk id="3" creationId="{5E40A64C-B3A9-1250-1890-A33582C1B388}"/>
-          </ac:spMkLst>
-        </pc:spChg>
       </pc:sldChg>
       <pc:sldChg chg="addSp modSp new mod ord">
         <pc:chgData name="Mohammed Fasha" userId="cc64f42d-a1a6-4f08-b97b-0c37f877119f" providerId="ADAL" clId="{E5645173-9704-44B4-82F5-EF2938BAEEFE}" dt="2025-04-27T04:44:21.772" v="3671"/>
@@ -5981,14 +5796,6 @@
           <pc:docMk/>
           <pc:sldMk cId="4138332797" sldId="615"/>
         </pc:sldMkLst>
-        <pc:spChg chg="add mod ord">
-          <ac:chgData name="Mohammed Fasha" userId="cc64f42d-a1a6-4f08-b97b-0c37f877119f" providerId="ADAL" clId="{E5645173-9704-44B4-82F5-EF2938BAEEFE}" dt="2025-05-15T02:45:17.497" v="8576" actId="21"/>
-          <ac:spMkLst>
-            <pc:docMk/>
-            <pc:sldMk cId="4138332797" sldId="615"/>
-            <ac:spMk id="5" creationId="{7AE075CA-E11D-C71A-E871-A18E348C74FE}"/>
-          </ac:spMkLst>
-        </pc:spChg>
       </pc:sldChg>
       <pc:sldChg chg="addSp delSp modSp new mod ord">
         <pc:chgData name="Mohammed Fasha" userId="cc64f42d-a1a6-4f08-b97b-0c37f877119f" providerId="ADAL" clId="{E5645173-9704-44B4-82F5-EF2938BAEEFE}" dt="2025-05-16T04:35:58.218" v="10349"/>
@@ -6094,22 +5901,6 @@
           <pc:docMk/>
           <pc:sldMk cId="3251045787" sldId="628"/>
         </pc:sldMkLst>
-        <pc:spChg chg="mod">
-          <ac:chgData name="Mohammed Fasha" userId="cc64f42d-a1a6-4f08-b97b-0c37f877119f" providerId="ADAL" clId="{E5645173-9704-44B4-82F5-EF2938BAEEFE}" dt="2025-05-15T04:18:15.508" v="9337" actId="14100"/>
-          <ac:spMkLst>
-            <pc:docMk/>
-            <pc:sldMk cId="3251045787" sldId="628"/>
-            <ac:spMk id="3" creationId="{36BC40FB-E359-9315-0C5E-3E778BA7B24D}"/>
-          </ac:spMkLst>
-        </pc:spChg>
-        <pc:picChg chg="add mod">
-          <ac:chgData name="Mohammed Fasha" userId="cc64f42d-a1a6-4f08-b97b-0c37f877119f" providerId="ADAL" clId="{E5645173-9704-44B4-82F5-EF2938BAEEFE}" dt="2025-05-15T04:18:14.588" v="9336"/>
-          <ac:picMkLst>
-            <pc:docMk/>
-            <pc:sldMk cId="3251045787" sldId="628"/>
-            <ac:picMk id="6" creationId="{1DDBE597-2754-A60B-B1DB-D744F01026B0}"/>
-          </ac:picMkLst>
-        </pc:picChg>
       </pc:sldChg>
       <pc:sldChg chg="modSp add del mod">
         <pc:chgData name="Mohammed Fasha" userId="cc64f42d-a1a6-4f08-b97b-0c37f877119f" providerId="ADAL" clId="{E5645173-9704-44B4-82F5-EF2938BAEEFE}" dt="2025-05-06T05:13:40.112" v="5836" actId="2696"/>
@@ -6166,22 +5957,6 @@
           <pc:docMk/>
           <pc:sldMk cId="3162374329" sldId="635"/>
         </pc:sldMkLst>
-        <pc:spChg chg="mod">
-          <ac:chgData name="Mohammed Fasha" userId="cc64f42d-a1a6-4f08-b97b-0c37f877119f" providerId="ADAL" clId="{E5645173-9704-44B4-82F5-EF2938BAEEFE}" dt="2025-05-15T04:14:36.894" v="9275" actId="20577"/>
-          <ac:spMkLst>
-            <pc:docMk/>
-            <pc:sldMk cId="3162374329" sldId="635"/>
-            <ac:spMk id="3" creationId="{0D222D24-CAC5-B47B-8D4F-BA7C9A13DFC1}"/>
-          </ac:spMkLst>
-        </pc:spChg>
-        <pc:picChg chg="add del mod">
-          <ac:chgData name="Mohammed Fasha" userId="cc64f42d-a1a6-4f08-b97b-0c37f877119f" providerId="ADAL" clId="{E5645173-9704-44B4-82F5-EF2938BAEEFE}" dt="2025-05-15T04:12:05.586" v="9264" actId="22"/>
-          <ac:picMkLst>
-            <pc:docMk/>
-            <pc:sldMk cId="3162374329" sldId="635"/>
-            <ac:picMk id="5" creationId="{D4D24B90-DC7C-04CE-087A-C7A9C37F7AA5}"/>
-          </ac:picMkLst>
-        </pc:picChg>
       </pc:sldChg>
       <pc:sldChg chg="modSp new add del mod ord">
         <pc:chgData name="Mohammed Fasha" userId="cc64f42d-a1a6-4f08-b97b-0c37f877119f" providerId="ADAL" clId="{E5645173-9704-44B4-82F5-EF2938BAEEFE}" dt="2025-05-15T04:19:04.931" v="9361" actId="20577"/>
@@ -6189,22 +5964,6 @@
           <pc:docMk/>
           <pc:sldMk cId="2770284456" sldId="636"/>
         </pc:sldMkLst>
-        <pc:spChg chg="mod">
-          <ac:chgData name="Mohammed Fasha" userId="cc64f42d-a1a6-4f08-b97b-0c37f877119f" providerId="ADAL" clId="{E5645173-9704-44B4-82F5-EF2938BAEEFE}" dt="2025-05-15T04:19:04.931" v="9361" actId="20577"/>
-          <ac:spMkLst>
-            <pc:docMk/>
-            <pc:sldMk cId="2770284456" sldId="636"/>
-            <ac:spMk id="2" creationId="{FD63B3D7-A84B-53F5-6994-98BA031FC84E}"/>
-          </ac:spMkLst>
-        </pc:spChg>
-        <pc:spChg chg="mod">
-          <ac:chgData name="Mohammed Fasha" userId="cc64f42d-a1a6-4f08-b97b-0c37f877119f" providerId="ADAL" clId="{E5645173-9704-44B4-82F5-EF2938BAEEFE}" dt="2025-05-15T04:18:58.724" v="9349" actId="6549"/>
-          <ac:spMkLst>
-            <pc:docMk/>
-            <pc:sldMk cId="2770284456" sldId="636"/>
-            <ac:spMk id="3" creationId="{D8F8D99F-D8D3-FD7B-DF76-AA225F395D3D}"/>
-          </ac:spMkLst>
-        </pc:spChg>
       </pc:sldChg>
       <pc:sldChg chg="addSp delSp modSp new del mod modClrScheme chgLayout">
         <pc:chgData name="Mohammed Fasha" userId="cc64f42d-a1a6-4f08-b97b-0c37f877119f" providerId="ADAL" clId="{E5645173-9704-44B4-82F5-EF2938BAEEFE}" dt="2025-05-06T04:26:37.578" v="5656" actId="2696"/>
@@ -6261,22 +6020,6 @@
           <pc:docMk/>
           <pc:sldMk cId="4079773801" sldId="644"/>
         </pc:sldMkLst>
-        <pc:spChg chg="add mod">
-          <ac:chgData name="Mohammed Fasha" userId="cc64f42d-a1a6-4f08-b97b-0c37f877119f" providerId="ADAL" clId="{E5645173-9704-44B4-82F5-EF2938BAEEFE}" dt="2025-05-15T03:44:07.215" v="9102" actId="21"/>
-          <ac:spMkLst>
-            <pc:docMk/>
-            <pc:sldMk cId="4079773801" sldId="644"/>
-            <ac:spMk id="4" creationId="{F190EBCB-8797-470F-D64F-5615D0EA6C92}"/>
-          </ac:spMkLst>
-        </pc:spChg>
-        <pc:picChg chg="add del mod ord">
-          <ac:chgData name="Mohammed Fasha" userId="cc64f42d-a1a6-4f08-b97b-0c37f877119f" providerId="ADAL" clId="{E5645173-9704-44B4-82F5-EF2938BAEEFE}" dt="2025-05-15T03:44:07.215" v="9102" actId="21"/>
-          <ac:picMkLst>
-            <pc:docMk/>
-            <pc:sldMk cId="4079773801" sldId="644"/>
-            <ac:picMk id="5" creationId="{3D4AB1DA-FDF2-17D3-68C3-717147BFD160}"/>
-          </ac:picMkLst>
-        </pc:picChg>
       </pc:sldChg>
       <pc:sldChg chg="addSp modSp new del mod">
         <pc:chgData name="Mohammed Fasha" userId="cc64f42d-a1a6-4f08-b97b-0c37f877119f" providerId="ADAL" clId="{E5645173-9704-44B4-82F5-EF2938BAEEFE}" dt="2025-05-15T03:44:18.676" v="9104" actId="47"/>
@@ -6606,22 +6349,6 @@
           <pc:docMk/>
           <pc:sldMk cId="3080740700" sldId="677"/>
         </pc:sldMkLst>
-        <pc:spChg chg="add mod ord">
-          <ac:chgData name="Mohammed Fasha" userId="cc64f42d-a1a6-4f08-b97b-0c37f877119f" providerId="ADAL" clId="{E5645173-9704-44B4-82F5-EF2938BAEEFE}" dt="2025-05-15T03:12:26.059" v="8868" actId="21"/>
-          <ac:spMkLst>
-            <pc:docMk/>
-            <pc:sldMk cId="3080740700" sldId="677"/>
-            <ac:spMk id="5" creationId="{B3D65425-A3E3-A300-E9A5-9504088A1555}"/>
-          </ac:spMkLst>
-        </pc:spChg>
-        <pc:picChg chg="add mod">
-          <ac:chgData name="Mohammed Fasha" userId="cc64f42d-a1a6-4f08-b97b-0c37f877119f" providerId="ADAL" clId="{E5645173-9704-44B4-82F5-EF2938BAEEFE}" dt="2025-05-15T03:44:44.321" v="9119"/>
-          <ac:picMkLst>
-            <pc:docMk/>
-            <pc:sldMk cId="3080740700" sldId="677"/>
-            <ac:picMk id="2" creationId="{3D4AB1DA-FDF2-17D3-68C3-717147BFD160}"/>
-          </ac:picMkLst>
-        </pc:picChg>
       </pc:sldChg>
       <pc:sldChg chg="modSp new mod">
         <pc:chgData name="Mohammed Fasha" userId="cc64f42d-a1a6-4f08-b97b-0c37f877119f" providerId="ADAL" clId="{E5645173-9704-44B4-82F5-EF2938BAEEFE}" dt="2025-05-08T05:19:55.454" v="7341" actId="113"/>
@@ -6699,30 +6426,6 @@
           <pc:docMk/>
           <pc:sldMk cId="2155320504" sldId="687"/>
         </pc:sldMkLst>
-        <pc:spChg chg="mod">
-          <ac:chgData name="Mohammed Fasha" userId="cc64f42d-a1a6-4f08-b97b-0c37f877119f" providerId="ADAL" clId="{E5645173-9704-44B4-82F5-EF2938BAEEFE}" dt="2025-05-15T03:51:15.821" v="9157" actId="14100"/>
-          <ac:spMkLst>
-            <pc:docMk/>
-            <pc:sldMk cId="2155320504" sldId="687"/>
-            <ac:spMk id="3" creationId="{A3364D48-3259-2E15-A998-B075D2F0C5EA}"/>
-          </ac:spMkLst>
-        </pc:spChg>
-        <pc:picChg chg="add mod">
-          <ac:chgData name="Mohammed Fasha" userId="cc64f42d-a1a6-4f08-b97b-0c37f877119f" providerId="ADAL" clId="{E5645173-9704-44B4-82F5-EF2938BAEEFE}" dt="2025-05-15T03:06:58.260" v="8851" actId="1076"/>
-          <ac:picMkLst>
-            <pc:docMk/>
-            <pc:sldMk cId="2155320504" sldId="687"/>
-            <ac:picMk id="5" creationId="{B2D0E84B-CC47-E256-D783-740FFB4851DC}"/>
-          </ac:picMkLst>
-        </pc:picChg>
-        <pc:picChg chg="del">
-          <ac:chgData name="Mohammed Fasha" userId="cc64f42d-a1a6-4f08-b97b-0c37f877119f" providerId="ADAL" clId="{E5645173-9704-44B4-82F5-EF2938BAEEFE}" dt="2025-05-15T03:06:54.599" v="8849" actId="478"/>
-          <ac:picMkLst>
-            <pc:docMk/>
-            <pc:sldMk cId="2155320504" sldId="687"/>
-            <ac:picMk id="2050" creationId="{8D75F4D2-C1F1-91D9-8DF4-5959A4C84ED3}"/>
-          </ac:picMkLst>
-        </pc:picChg>
       </pc:sldChg>
       <pc:sldChg chg="addSp delSp modSp new del mod">
         <pc:chgData name="Mohammed Fasha" userId="cc64f42d-a1a6-4f08-b97b-0c37f877119f" providerId="ADAL" clId="{E5645173-9704-44B4-82F5-EF2938BAEEFE}" dt="2025-05-15T03:06:22.514" v="8846" actId="2696"/>
@@ -6800,14 +6503,6 @@
           <pc:docMk/>
           <pc:sldMk cId="853811646" sldId="695"/>
         </pc:sldMkLst>
-        <pc:picChg chg="add mod">
-          <ac:chgData name="Mohammed Fasha" userId="cc64f42d-a1a6-4f08-b97b-0c37f877119f" providerId="ADAL" clId="{E5645173-9704-44B4-82F5-EF2938BAEEFE}" dt="2025-05-15T05:05:47.031" v="10006" actId="1076"/>
-          <ac:picMkLst>
-            <pc:docMk/>
-            <pc:sldMk cId="853811646" sldId="695"/>
-            <ac:picMk id="6" creationId="{5D5AE556-07EB-B85A-4E78-F3B10AC6B195}"/>
-          </ac:picMkLst>
-        </pc:picChg>
       </pc:sldChg>
       <pc:sldChg chg="modSp add mod">
         <pc:chgData name="Mohammed Fasha" userId="cc64f42d-a1a6-4f08-b97b-0c37f877119f" providerId="ADAL" clId="{E5645173-9704-44B4-82F5-EF2938BAEEFE}" dt="2025-05-15T05:07:18.629" v="10014" actId="27636"/>
@@ -6815,22 +6510,6 @@
           <pc:docMk/>
           <pc:sldMk cId="1997715966" sldId="695"/>
         </pc:sldMkLst>
-        <pc:spChg chg="mod">
-          <ac:chgData name="Mohammed Fasha" userId="cc64f42d-a1a6-4f08-b97b-0c37f877119f" providerId="ADAL" clId="{E5645173-9704-44B4-82F5-EF2938BAEEFE}" dt="2025-05-15T05:07:18.629" v="10014" actId="27636"/>
-          <ac:spMkLst>
-            <pc:docMk/>
-            <pc:sldMk cId="1997715966" sldId="695"/>
-            <ac:spMk id="3" creationId="{29CD9006-AAF0-5FF4-FF39-C4B68A0DA6C1}"/>
-          </ac:spMkLst>
-        </pc:spChg>
-        <pc:picChg chg="mod">
-          <ac:chgData name="Mohammed Fasha" userId="cc64f42d-a1a6-4f08-b97b-0c37f877119f" providerId="ADAL" clId="{E5645173-9704-44B4-82F5-EF2938BAEEFE}" dt="2025-05-15T05:06:20.627" v="10009" actId="14100"/>
-          <ac:picMkLst>
-            <pc:docMk/>
-            <pc:sldMk cId="1997715966" sldId="695"/>
-            <ac:picMk id="6" creationId="{5D5AE556-07EB-B85A-4E78-F3B10AC6B195}"/>
-          </ac:picMkLst>
-        </pc:picChg>
       </pc:sldChg>
       <pc:sldChg chg="addSp delSp modSp add del mod">
         <pc:chgData name="Mohammed Fasha" userId="cc64f42d-a1a6-4f08-b97b-0c37f877119f" providerId="ADAL" clId="{E5645173-9704-44B4-82F5-EF2938BAEEFE}" dt="2025-05-15T05:08:24.971" v="10021" actId="2696"/>
@@ -6838,14 +6517,6 @@
           <pc:docMk/>
           <pc:sldMk cId="3560076926" sldId="696"/>
         </pc:sldMkLst>
-        <pc:spChg chg="add mod">
-          <ac:chgData name="Mohammed Fasha" userId="cc64f42d-a1a6-4f08-b97b-0c37f877119f" providerId="ADAL" clId="{E5645173-9704-44B4-82F5-EF2938BAEEFE}" dt="2025-05-15T05:08:21.711" v="10020" actId="1076"/>
-          <ac:spMkLst>
-            <pc:docMk/>
-            <pc:sldMk cId="3560076926" sldId="696"/>
-            <ac:spMk id="5" creationId="{A7278139-F8EB-9B04-2124-1370345F1FFE}"/>
-          </ac:spMkLst>
-        </pc:spChg>
       </pc:sldChg>
       <pc:sldChg chg="modSp add del mod ord">
         <pc:chgData name="Mohammed Fasha" userId="cc64f42d-a1a6-4f08-b97b-0c37f877119f" providerId="ADAL" clId="{E5645173-9704-44B4-82F5-EF2938BAEEFE}" dt="2025-05-15T05:03:45.057" v="9981" actId="47"/>
@@ -6888,22 +6559,6 @@
           <pc:docMk/>
           <pc:sldMk cId="2070453294" sldId="702"/>
         </pc:sldMkLst>
-        <pc:spChg chg="mod">
-          <ac:chgData name="Mohammed Fasha" userId="cc64f42d-a1a6-4f08-b97b-0c37f877119f" providerId="ADAL" clId="{E5645173-9704-44B4-82F5-EF2938BAEEFE}" dt="2025-05-15T04:51:38.520" v="9645" actId="27636"/>
-          <ac:spMkLst>
-            <pc:docMk/>
-            <pc:sldMk cId="2070453294" sldId="702"/>
-            <ac:spMk id="3" creationId="{DF4F0C17-CDBE-0FFB-D825-F5B1B2F30445}"/>
-          </ac:spMkLst>
-        </pc:spChg>
-        <pc:picChg chg="add mod">
-          <ac:chgData name="Mohammed Fasha" userId="cc64f42d-a1a6-4f08-b97b-0c37f877119f" providerId="ADAL" clId="{E5645173-9704-44B4-82F5-EF2938BAEEFE}" dt="2025-05-15T04:51:43.594" v="9647" actId="1076"/>
-          <ac:picMkLst>
-            <pc:docMk/>
-            <pc:sldMk cId="2070453294" sldId="702"/>
-            <ac:picMk id="6" creationId="{1DDBE597-2754-A60B-B1DB-D744F01026B0}"/>
-          </ac:picMkLst>
-        </pc:picChg>
       </pc:sldChg>
       <pc:sldChg chg="addSp delSp modSp new add del mod">
         <pc:chgData name="Mohammed Fasha" userId="cc64f42d-a1a6-4f08-b97b-0c37f877119f" providerId="ADAL" clId="{E5645173-9704-44B4-82F5-EF2938BAEEFE}" dt="2025-05-15T04:51:45.334" v="9648" actId="2696"/>
@@ -6911,30 +6566,6 @@
           <pc:docMk/>
           <pc:sldMk cId="2475640876" sldId="703"/>
         </pc:sldMkLst>
-        <pc:spChg chg="add del mod">
-          <ac:chgData name="Mohammed Fasha" userId="cc64f42d-a1a6-4f08-b97b-0c37f877119f" providerId="ADAL" clId="{E5645173-9704-44B4-82F5-EF2938BAEEFE}" dt="2025-05-15T04:18:16.079" v="9338" actId="21"/>
-          <ac:spMkLst>
-            <pc:docMk/>
-            <pc:sldMk cId="2475640876" sldId="703"/>
-            <ac:spMk id="4" creationId="{FA56DFB8-2EDE-BBEF-32CF-57B68B3A7A25}"/>
-          </ac:spMkLst>
-        </pc:spChg>
-        <pc:spChg chg="add mod">
-          <ac:chgData name="Mohammed Fasha" userId="cc64f42d-a1a6-4f08-b97b-0c37f877119f" providerId="ADAL" clId="{E5645173-9704-44B4-82F5-EF2938BAEEFE}" dt="2025-05-15T04:51:34.452" v="9643" actId="21"/>
-          <ac:spMkLst>
-            <pc:docMk/>
-            <pc:sldMk cId="2475640876" sldId="703"/>
-            <ac:spMk id="7" creationId="{E40BBC60-7810-06FF-A0B2-9009FF34187C}"/>
-          </ac:spMkLst>
-        </pc:spChg>
-        <pc:picChg chg="add del mod ord">
-          <ac:chgData name="Mohammed Fasha" userId="cc64f42d-a1a6-4f08-b97b-0c37f877119f" providerId="ADAL" clId="{E5645173-9704-44B4-82F5-EF2938BAEEFE}" dt="2025-05-15T04:51:34.452" v="9643" actId="21"/>
-          <ac:picMkLst>
-            <pc:docMk/>
-            <pc:sldMk cId="2475640876" sldId="703"/>
-            <ac:picMk id="6" creationId="{1DDBE597-2754-A60B-B1DB-D744F01026B0}"/>
-          </ac:picMkLst>
-        </pc:picChg>
       </pc:sldChg>
       <pc:sldChg chg="modSp add del mod">
         <pc:chgData name="Mohammed Fasha" userId="cc64f42d-a1a6-4f08-b97b-0c37f877119f" providerId="ADAL" clId="{E5645173-9704-44B4-82F5-EF2938BAEEFE}" dt="2025-05-15T04:18:02.590" v="9325" actId="2696"/>
@@ -6956,14 +6587,6 @@
           <pc:docMk/>
           <pc:sldMk cId="3336284823" sldId="705"/>
         </pc:sldMkLst>
-        <pc:spChg chg="mod">
-          <ac:chgData name="Mohammed Fasha" userId="cc64f42d-a1a6-4f08-b97b-0c37f877119f" providerId="ADAL" clId="{E5645173-9704-44B4-82F5-EF2938BAEEFE}" dt="2025-05-15T04:50:57.023" v="9627" actId="21"/>
-          <ac:spMkLst>
-            <pc:docMk/>
-            <pc:sldMk cId="3336284823" sldId="705"/>
-            <ac:spMk id="3" creationId="{F76606D3-2A99-8C7C-308B-522F4C60EDA4}"/>
-          </ac:spMkLst>
-        </pc:spChg>
       </pc:sldChg>
       <pc:sldChg chg="addSp delSp modSp add del mod">
         <pc:chgData name="Mohammed Fasha" userId="cc64f42d-a1a6-4f08-b97b-0c37f877119f" providerId="ADAL" clId="{E5645173-9704-44B4-82F5-EF2938BAEEFE}" dt="2025-05-15T04:22:21.901" v="9366" actId="179"/>
@@ -6971,14 +6594,6 @@
           <pc:docMk/>
           <pc:sldMk cId="2545303620" sldId="706"/>
         </pc:sldMkLst>
-        <pc:spChg chg="add mod">
-          <ac:chgData name="Mohammed Fasha" userId="cc64f42d-a1a6-4f08-b97b-0c37f877119f" providerId="ADAL" clId="{E5645173-9704-44B4-82F5-EF2938BAEEFE}" dt="2025-05-15T04:22:21.901" v="9366" actId="179"/>
-          <ac:spMkLst>
-            <pc:docMk/>
-            <pc:sldMk cId="2545303620" sldId="706"/>
-            <ac:spMk id="7" creationId="{71D1637E-25E6-44B4-C2E1-F18017FF8D59}"/>
-          </ac:spMkLst>
-        </pc:spChg>
       </pc:sldChg>
       <pc:sldChg chg="addSp delSp modSp new del mod">
         <pc:chgData name="Mohammed Fasha" userId="cc64f42d-a1a6-4f08-b97b-0c37f877119f" providerId="ADAL" clId="{E5645173-9704-44B4-82F5-EF2938BAEEFE}" dt="2025-05-15T04:22:59.450" v="9377" actId="2696"/>
@@ -6993,46 +6608,6 @@
           <pc:docMk/>
           <pc:sldMk cId="782701115" sldId="708"/>
         </pc:sldMkLst>
-        <pc:spChg chg="mod">
-          <ac:chgData name="Mohammed Fasha" userId="cc64f42d-a1a6-4f08-b97b-0c37f877119f" providerId="ADAL" clId="{E5645173-9704-44B4-82F5-EF2938BAEEFE}" dt="2025-05-15T04:23:18.619" v="9385" actId="20577"/>
-          <ac:spMkLst>
-            <pc:docMk/>
-            <pc:sldMk cId="782701115" sldId="708"/>
-            <ac:spMk id="2" creationId="{90DC9258-3B43-AA98-A112-A068666DC38E}"/>
-          </ac:spMkLst>
-        </pc:spChg>
-        <pc:spChg chg="mod">
-          <ac:chgData name="Mohammed Fasha" userId="cc64f42d-a1a6-4f08-b97b-0c37f877119f" providerId="ADAL" clId="{E5645173-9704-44B4-82F5-EF2938BAEEFE}" dt="2025-05-15T04:25:14.929" v="9501" actId="14100"/>
-          <ac:spMkLst>
-            <pc:docMk/>
-            <pc:sldMk cId="782701115" sldId="708"/>
-            <ac:spMk id="3" creationId="{6316519E-EE83-2B10-B6FF-FB17591A75D2}"/>
-          </ac:spMkLst>
-        </pc:spChg>
-        <pc:spChg chg="add mod">
-          <ac:chgData name="Mohammed Fasha" userId="cc64f42d-a1a6-4f08-b97b-0c37f877119f" providerId="ADAL" clId="{E5645173-9704-44B4-82F5-EF2938BAEEFE}" dt="2025-05-15T05:08:15.771" v="10019" actId="113"/>
-          <ac:spMkLst>
-            <pc:docMk/>
-            <pc:sldMk cId="782701115" sldId="708"/>
-            <ac:spMk id="7" creationId="{F2A44EC9-D60F-9990-FD68-CE7A85E6F1DF}"/>
-          </ac:spMkLst>
-        </pc:spChg>
-        <pc:picChg chg="add del">
-          <ac:chgData name="Mohammed Fasha" userId="cc64f42d-a1a6-4f08-b97b-0c37f877119f" providerId="ADAL" clId="{E5645173-9704-44B4-82F5-EF2938BAEEFE}" dt="2025-05-15T04:23:07.404" v="9379" actId="22"/>
-          <ac:picMkLst>
-            <pc:docMk/>
-            <pc:sldMk cId="782701115" sldId="708"/>
-            <ac:picMk id="5" creationId="{260383E3-FBDB-DB19-505A-32E6A8B8CF36}"/>
-          </ac:picMkLst>
-        </pc:picChg>
-        <pc:picChg chg="add mod">
-          <ac:chgData name="Mohammed Fasha" userId="cc64f42d-a1a6-4f08-b97b-0c37f877119f" providerId="ADAL" clId="{E5645173-9704-44B4-82F5-EF2938BAEEFE}" dt="2025-05-15T04:25:31.478" v="9504" actId="1076"/>
-          <ac:picMkLst>
-            <pc:docMk/>
-            <pc:sldMk cId="782701115" sldId="708"/>
-            <ac:picMk id="6" creationId="{07CCAD36-165F-922A-3482-0E472ACBA4B7}"/>
-          </ac:picMkLst>
-        </pc:picChg>
       </pc:sldChg>
       <pc:sldChg chg="addSp delSp modSp add del mod">
         <pc:chgData name="Mohammed Fasha" userId="cc64f42d-a1a6-4f08-b97b-0c37f877119f" providerId="ADAL" clId="{E5645173-9704-44B4-82F5-EF2938BAEEFE}" dt="2025-05-15T04:25:38.988" v="9505" actId="2696"/>
@@ -7061,38 +6636,6 @@
           <pc:docMk/>
           <pc:sldMk cId="4029013846" sldId="710"/>
         </pc:sldMkLst>
-        <pc:spChg chg="mod">
-          <ac:chgData name="Mohammed Fasha" userId="cc64f42d-a1a6-4f08-b97b-0c37f877119f" providerId="ADAL" clId="{E5645173-9704-44B4-82F5-EF2938BAEEFE}" dt="2025-05-15T05:04:37.052" v="9991" actId="20577"/>
-          <ac:spMkLst>
-            <pc:docMk/>
-            <pc:sldMk cId="4029013846" sldId="710"/>
-            <ac:spMk id="2" creationId="{6497598D-B1ED-CCA9-03BA-B6FA7BA1C0BF}"/>
-          </ac:spMkLst>
-        </pc:spChg>
-        <pc:graphicFrameChg chg="modGraphic">
-          <ac:chgData name="Mohammed Fasha" userId="cc64f42d-a1a6-4f08-b97b-0c37f877119f" providerId="ADAL" clId="{E5645173-9704-44B4-82F5-EF2938BAEEFE}" dt="2025-05-15T05:04:54.690" v="9996" actId="14100"/>
-          <ac:graphicFrameMkLst>
-            <pc:docMk/>
-            <pc:sldMk cId="4029013846" sldId="710"/>
-            <ac:graphicFrameMk id="4" creationId="{2DD631D9-EC64-88AF-3659-73292C58A933}"/>
-          </ac:graphicFrameMkLst>
-        </pc:graphicFrameChg>
-        <pc:picChg chg="add mod">
-          <ac:chgData name="Mohammed Fasha" userId="cc64f42d-a1a6-4f08-b97b-0c37f877119f" providerId="ADAL" clId="{E5645173-9704-44B4-82F5-EF2938BAEEFE}" dt="2025-05-15T05:05:16.179" v="10004" actId="14100"/>
-          <ac:picMkLst>
-            <pc:docMk/>
-            <pc:sldMk cId="4029013846" sldId="710"/>
-            <ac:picMk id="3" creationId="{E01D0856-065E-D891-79EE-6E01BE1D40AD}"/>
-          </ac:picMkLst>
-        </pc:picChg>
-        <pc:picChg chg="add mod">
-          <ac:chgData name="Mohammed Fasha" userId="cc64f42d-a1a6-4f08-b97b-0c37f877119f" providerId="ADAL" clId="{E5645173-9704-44B4-82F5-EF2938BAEEFE}" dt="2025-05-15T05:05:07.723" v="10001" actId="14100"/>
-          <ac:picMkLst>
-            <pc:docMk/>
-            <pc:sldMk cId="4029013846" sldId="710"/>
-            <ac:picMk id="5" creationId="{5D60502A-D589-38BA-2B4C-A01B7EA0097B}"/>
-          </ac:picMkLst>
-        </pc:picChg>
       </pc:sldChg>
       <pc:sldChg chg="delSp add del mod">
         <pc:chgData name="Mohammed Fasha" userId="cc64f42d-a1a6-4f08-b97b-0c37f877119f" providerId="ADAL" clId="{E5645173-9704-44B4-82F5-EF2938BAEEFE}" dt="2025-05-15T05:05:20.218" v="10005" actId="2696"/>
@@ -7100,22 +6643,6 @@
           <pc:docMk/>
           <pc:sldMk cId="1452792325" sldId="711"/>
         </pc:sldMkLst>
-        <pc:picChg chg="del">
-          <ac:chgData name="Mohammed Fasha" userId="cc64f42d-a1a6-4f08-b97b-0c37f877119f" providerId="ADAL" clId="{E5645173-9704-44B4-82F5-EF2938BAEEFE}" dt="2025-05-15T05:04:59.695" v="9997" actId="21"/>
-          <ac:picMkLst>
-            <pc:docMk/>
-            <pc:sldMk cId="1452792325" sldId="711"/>
-            <ac:picMk id="5" creationId="{5D60502A-D589-38BA-2B4C-A01B7EA0097B}"/>
-          </ac:picMkLst>
-        </pc:picChg>
-        <pc:picChg chg="del">
-          <ac:chgData name="Mohammed Fasha" userId="cc64f42d-a1a6-4f08-b97b-0c37f877119f" providerId="ADAL" clId="{E5645173-9704-44B4-82F5-EF2938BAEEFE}" dt="2025-05-15T05:04:59.695" v="9997" actId="21"/>
-          <ac:picMkLst>
-            <pc:docMk/>
-            <pc:sldMk cId="1452792325" sldId="711"/>
-            <ac:picMk id="7" creationId="{E01D0856-065E-D891-79EE-6E01BE1D40AD}"/>
-          </ac:picMkLst>
-        </pc:picChg>
       </pc:sldChg>
       <pc:sldChg chg="add del">
         <pc:chgData name="Mohammed Fasha" userId="cc64f42d-a1a6-4f08-b97b-0c37f877119f" providerId="ADAL" clId="{E5645173-9704-44B4-82F5-EF2938BAEEFE}" dt="2025-05-13T05:14:45.516" v="8454" actId="2696"/>
@@ -7137,22 +6664,6 @@
           <pc:docMk/>
           <pc:sldMk cId="3497961675" sldId="712"/>
         </pc:sldMkLst>
-        <pc:spChg chg="mod">
-          <ac:chgData name="Mohammed Fasha" userId="cc64f42d-a1a6-4f08-b97b-0c37f877119f" providerId="ADAL" clId="{E5645173-9704-44B4-82F5-EF2938BAEEFE}" dt="2025-05-15T02:46:06.172" v="8585" actId="113"/>
-          <ac:spMkLst>
-            <pc:docMk/>
-            <pc:sldMk cId="3497961675" sldId="712"/>
-            <ac:spMk id="2" creationId="{8FF2EA15-83DF-AA6F-0F83-A606ABA54650}"/>
-          </ac:spMkLst>
-        </pc:spChg>
-        <pc:spChg chg="mod">
-          <ac:chgData name="Mohammed Fasha" userId="cc64f42d-a1a6-4f08-b97b-0c37f877119f" providerId="ADAL" clId="{E5645173-9704-44B4-82F5-EF2938BAEEFE}" dt="2025-05-15T02:47:40.509" v="8624" actId="20577"/>
-          <ac:spMkLst>
-            <pc:docMk/>
-            <pc:sldMk cId="3497961675" sldId="712"/>
-            <ac:spMk id="3" creationId="{2246D5CE-397B-00DE-2B78-959AC048103A}"/>
-          </ac:spMkLst>
-        </pc:spChg>
       </pc:sldChg>
       <pc:sldChg chg="new del">
         <pc:chgData name="Mohammed Fasha" userId="cc64f42d-a1a6-4f08-b97b-0c37f877119f" providerId="ADAL" clId="{E5645173-9704-44B4-82F5-EF2938BAEEFE}" dt="2025-05-13T05:28:29.434" v="8565" actId="47"/>
@@ -7167,62 +6678,6 @@
           <pc:docMk/>
           <pc:sldMk cId="2643433516" sldId="713"/>
         </pc:sldMkLst>
-        <pc:spChg chg="mod">
-          <ac:chgData name="Mohammed Fasha" userId="cc64f42d-a1a6-4f08-b97b-0c37f877119f" providerId="ADAL" clId="{E5645173-9704-44B4-82F5-EF2938BAEEFE}" dt="2025-05-15T02:49:05.804" v="8634" actId="113"/>
-          <ac:spMkLst>
-            <pc:docMk/>
-            <pc:sldMk cId="2643433516" sldId="713"/>
-            <ac:spMk id="2" creationId="{DAB14F59-C34A-36DE-3CA2-820C3D1483B9}"/>
-          </ac:spMkLst>
-        </pc:spChg>
-        <pc:spChg chg="mod">
-          <ac:chgData name="Mohammed Fasha" userId="cc64f42d-a1a6-4f08-b97b-0c37f877119f" providerId="ADAL" clId="{E5645173-9704-44B4-82F5-EF2938BAEEFE}" dt="2025-05-15T02:49:18.572" v="8637" actId="27636"/>
-          <ac:spMkLst>
-            <pc:docMk/>
-            <pc:sldMk cId="2643433516" sldId="713"/>
-            <ac:spMk id="3" creationId="{35BAF74C-1FF6-BA3F-F5F7-032745DCC340}"/>
-          </ac:spMkLst>
-        </pc:spChg>
-        <pc:spChg chg="add">
-          <ac:chgData name="Mohammed Fasha" userId="cc64f42d-a1a6-4f08-b97b-0c37f877119f" providerId="ADAL" clId="{E5645173-9704-44B4-82F5-EF2938BAEEFE}" dt="2025-05-15T02:48:51.153" v="8626"/>
-          <ac:spMkLst>
-            <pc:docMk/>
-            <pc:sldMk cId="2643433516" sldId="713"/>
-            <ac:spMk id="4" creationId="{79A9937F-3C3C-82B1-8289-4BDE15DEB019}"/>
-          </ac:spMkLst>
-        </pc:spChg>
-        <pc:spChg chg="add">
-          <ac:chgData name="Mohammed Fasha" userId="cc64f42d-a1a6-4f08-b97b-0c37f877119f" providerId="ADAL" clId="{E5645173-9704-44B4-82F5-EF2938BAEEFE}" dt="2025-05-15T02:48:51.153" v="8626"/>
-          <ac:spMkLst>
-            <pc:docMk/>
-            <pc:sldMk cId="2643433516" sldId="713"/>
-            <ac:spMk id="5" creationId="{62FA0298-02FB-0194-ACAF-8B630E5DFE44}"/>
-          </ac:spMkLst>
-        </pc:spChg>
-        <pc:spChg chg="add">
-          <ac:chgData name="Mohammed Fasha" userId="cc64f42d-a1a6-4f08-b97b-0c37f877119f" providerId="ADAL" clId="{E5645173-9704-44B4-82F5-EF2938BAEEFE}" dt="2025-05-15T02:48:51.153" v="8626"/>
-          <ac:spMkLst>
-            <pc:docMk/>
-            <pc:sldMk cId="2643433516" sldId="713"/>
-            <ac:spMk id="6" creationId="{88181D05-4ED9-5705-1905-C4F896C1A9B1}"/>
-          </ac:spMkLst>
-        </pc:spChg>
-        <pc:spChg chg="add">
-          <ac:chgData name="Mohammed Fasha" userId="cc64f42d-a1a6-4f08-b97b-0c37f877119f" providerId="ADAL" clId="{E5645173-9704-44B4-82F5-EF2938BAEEFE}" dt="2025-05-15T02:48:51.153" v="8626"/>
-          <ac:spMkLst>
-            <pc:docMk/>
-            <pc:sldMk cId="2643433516" sldId="713"/>
-            <ac:spMk id="7" creationId="{D3080AAD-055A-429D-C9B5-8DA5045171E5}"/>
-          </ac:spMkLst>
-        </pc:spChg>
-        <pc:spChg chg="add">
-          <ac:chgData name="Mohammed Fasha" userId="cc64f42d-a1a6-4f08-b97b-0c37f877119f" providerId="ADAL" clId="{E5645173-9704-44B4-82F5-EF2938BAEEFE}" dt="2025-05-15T02:48:51.153" v="8626"/>
-          <ac:spMkLst>
-            <pc:docMk/>
-            <pc:sldMk cId="2643433516" sldId="713"/>
-            <ac:spMk id="8" creationId="{A5C409B7-3030-5C28-1AB5-4DD960981FB8}"/>
-          </ac:spMkLst>
-        </pc:spChg>
       </pc:sldChg>
       <pc:sldChg chg="modSp new del mod">
         <pc:chgData name="Mohammed Fasha" userId="cc64f42d-a1a6-4f08-b97b-0c37f877119f" providerId="ADAL" clId="{E5645173-9704-44B4-82F5-EF2938BAEEFE}" dt="2025-05-15T03:48:24.592" v="9127" actId="47"/>
@@ -7230,22 +6685,6 @@
           <pc:docMk/>
           <pc:sldMk cId="2312988780" sldId="714"/>
         </pc:sldMkLst>
-        <pc:spChg chg="mod">
-          <ac:chgData name="Mohammed Fasha" userId="cc64f42d-a1a6-4f08-b97b-0c37f877119f" providerId="ADAL" clId="{E5645173-9704-44B4-82F5-EF2938BAEEFE}" dt="2025-05-15T02:51:41.717" v="8648" actId="113"/>
-          <ac:spMkLst>
-            <pc:docMk/>
-            <pc:sldMk cId="2312988780" sldId="714"/>
-            <ac:spMk id="2" creationId="{1C5C5FAC-2B12-FAEC-7683-86BBF75A22C0}"/>
-          </ac:spMkLst>
-        </pc:spChg>
-        <pc:spChg chg="mod">
-          <ac:chgData name="Mohammed Fasha" userId="cc64f42d-a1a6-4f08-b97b-0c37f877119f" providerId="ADAL" clId="{E5645173-9704-44B4-82F5-EF2938BAEEFE}" dt="2025-05-15T03:43:41.209" v="9101" actId="6549"/>
-          <ac:spMkLst>
-            <pc:docMk/>
-            <pc:sldMk cId="2312988780" sldId="714"/>
-            <ac:spMk id="3" creationId="{1BC19696-4887-FDCC-17E0-1034B82708A8}"/>
-          </ac:spMkLst>
-        </pc:spChg>
       </pc:sldChg>
       <pc:sldChg chg="addSp delSp modSp new mod">
         <pc:chgData name="Mohammed Fasha" userId="cc64f42d-a1a6-4f08-b97b-0c37f877119f" providerId="ADAL" clId="{E5645173-9704-44B4-82F5-EF2938BAEEFE}" dt="2025-05-15T03:45:01.166" v="9124" actId="478"/>
@@ -7253,30 +6692,6 @@
           <pc:docMk/>
           <pc:sldMk cId="4130632559" sldId="715"/>
         </pc:sldMkLst>
-        <pc:spChg chg="mod">
-          <ac:chgData name="Mohammed Fasha" userId="cc64f42d-a1a6-4f08-b97b-0c37f877119f" providerId="ADAL" clId="{E5645173-9704-44B4-82F5-EF2938BAEEFE}" dt="2025-05-15T02:58:57.830" v="8686" actId="20577"/>
-          <ac:spMkLst>
-            <pc:docMk/>
-            <pc:sldMk cId="4130632559" sldId="715"/>
-            <ac:spMk id="2" creationId="{27CB1C66-CC84-0B06-BBEB-4EF31082E330}"/>
-          </ac:spMkLst>
-        </pc:spChg>
-        <pc:spChg chg="mod">
-          <ac:chgData name="Mohammed Fasha" userId="cc64f42d-a1a6-4f08-b97b-0c37f877119f" providerId="ADAL" clId="{E5645173-9704-44B4-82F5-EF2938BAEEFE}" dt="2025-05-15T03:01:39.526" v="8730" actId="20577"/>
-          <ac:spMkLst>
-            <pc:docMk/>
-            <pc:sldMk cId="4130632559" sldId="715"/>
-            <ac:spMk id="3" creationId="{60C98FD3-5736-91A6-E334-10CCD45382F9}"/>
-          </ac:spMkLst>
-        </pc:spChg>
-        <pc:picChg chg="add del mod">
-          <ac:chgData name="Mohammed Fasha" userId="cc64f42d-a1a6-4f08-b97b-0c37f877119f" providerId="ADAL" clId="{E5645173-9704-44B4-82F5-EF2938BAEEFE}" dt="2025-05-15T03:45:01.166" v="9124" actId="478"/>
-          <ac:picMkLst>
-            <pc:docMk/>
-            <pc:sldMk cId="4130632559" sldId="715"/>
-            <ac:picMk id="4" creationId="{539AE146-7EDA-DB6D-CB4C-5203C1A55BF3}"/>
-          </ac:picMkLst>
-        </pc:picChg>
       </pc:sldChg>
       <pc:sldChg chg="addSp delSp modSp new mod">
         <pc:chgData name="Mohammed Fasha" userId="cc64f42d-a1a6-4f08-b97b-0c37f877119f" providerId="ADAL" clId="{E5645173-9704-44B4-82F5-EF2938BAEEFE}" dt="2025-05-15T03:17:16.384" v="8927" actId="1076"/>
@@ -7284,70 +6699,6 @@
           <pc:docMk/>
           <pc:sldMk cId="277367995" sldId="716"/>
         </pc:sldMkLst>
-        <pc:spChg chg="mod">
-          <ac:chgData name="Mohammed Fasha" userId="cc64f42d-a1a6-4f08-b97b-0c37f877119f" providerId="ADAL" clId="{E5645173-9704-44B4-82F5-EF2938BAEEFE}" dt="2025-05-15T02:59:42.892" v="8712" actId="6549"/>
-          <ac:spMkLst>
-            <pc:docMk/>
-            <pc:sldMk cId="277367995" sldId="716"/>
-            <ac:spMk id="2" creationId="{6BE55CCF-2FF1-2E50-5E8A-43B93AF027E7}"/>
-          </ac:spMkLst>
-        </pc:spChg>
-        <pc:spChg chg="add del mod">
-          <ac:chgData name="Mohammed Fasha" userId="cc64f42d-a1a6-4f08-b97b-0c37f877119f" providerId="ADAL" clId="{E5645173-9704-44B4-82F5-EF2938BAEEFE}" dt="2025-05-15T03:02:46.941" v="8804" actId="27636"/>
-          <ac:spMkLst>
-            <pc:docMk/>
-            <pc:sldMk cId="277367995" sldId="716"/>
-            <ac:spMk id="3" creationId="{97CEAEC3-0766-8D61-245C-EAD6723ADB40}"/>
-          </ac:spMkLst>
-        </pc:spChg>
-        <pc:spChg chg="add mod">
-          <ac:chgData name="Mohammed Fasha" userId="cc64f42d-a1a6-4f08-b97b-0c37f877119f" providerId="ADAL" clId="{E5645173-9704-44B4-82F5-EF2938BAEEFE}" dt="2025-05-15T02:59:17.144" v="8698"/>
-          <ac:spMkLst>
-            <pc:docMk/>
-            <pc:sldMk cId="277367995" sldId="716"/>
-            <ac:spMk id="4" creationId="{C5161A0E-B061-06F3-C611-D717DE60A560}"/>
-          </ac:spMkLst>
-        </pc:spChg>
-        <pc:spChg chg="add mod">
-          <ac:chgData name="Mohammed Fasha" userId="cc64f42d-a1a6-4f08-b97b-0c37f877119f" providerId="ADAL" clId="{E5645173-9704-44B4-82F5-EF2938BAEEFE}" dt="2025-05-15T02:59:25.238" v="8700"/>
-          <ac:spMkLst>
-            <pc:docMk/>
-            <pc:sldMk cId="277367995" sldId="716"/>
-            <ac:spMk id="5" creationId="{D52ABC79-F4B4-3294-C4AD-5EFC28946027}"/>
-          </ac:spMkLst>
-        </pc:spChg>
-        <pc:spChg chg="add">
-          <ac:chgData name="Mohammed Fasha" userId="cc64f42d-a1a6-4f08-b97b-0c37f877119f" providerId="ADAL" clId="{E5645173-9704-44B4-82F5-EF2938BAEEFE}" dt="2025-05-15T03:01:49.973" v="8731"/>
-          <ac:spMkLst>
-            <pc:docMk/>
-            <pc:sldMk cId="277367995" sldId="716"/>
-            <ac:spMk id="7" creationId="{A059A53C-3742-C974-3017-010BEF09384A}"/>
-          </ac:spMkLst>
-        </pc:spChg>
-        <pc:spChg chg="add">
-          <ac:chgData name="Mohammed Fasha" userId="cc64f42d-a1a6-4f08-b97b-0c37f877119f" providerId="ADAL" clId="{E5645173-9704-44B4-82F5-EF2938BAEEFE}" dt="2025-05-15T03:02:35.782" v="8795"/>
-          <ac:spMkLst>
-            <pc:docMk/>
-            <pc:sldMk cId="277367995" sldId="716"/>
-            <ac:spMk id="8" creationId="{943073ED-F79C-1795-132D-EB2DF9714EDA}"/>
-          </ac:spMkLst>
-        </pc:spChg>
-        <pc:picChg chg="add mod">
-          <ac:chgData name="Mohammed Fasha" userId="cc64f42d-a1a6-4f08-b97b-0c37f877119f" providerId="ADAL" clId="{E5645173-9704-44B4-82F5-EF2938BAEEFE}" dt="2025-05-15T03:17:08.353" v="8924" actId="1076"/>
-          <ac:picMkLst>
-            <pc:docMk/>
-            <pc:sldMk cId="277367995" sldId="716"/>
-            <ac:picMk id="6" creationId="{FBFF811C-67DD-B7F7-E11F-E5B9AE1F073E}"/>
-          </ac:picMkLst>
-        </pc:picChg>
-        <pc:picChg chg="add mod">
-          <ac:chgData name="Mohammed Fasha" userId="cc64f42d-a1a6-4f08-b97b-0c37f877119f" providerId="ADAL" clId="{E5645173-9704-44B4-82F5-EF2938BAEEFE}" dt="2025-05-15T03:17:16.384" v="8927" actId="1076"/>
-          <ac:picMkLst>
-            <pc:docMk/>
-            <pc:sldMk cId="277367995" sldId="716"/>
-            <ac:picMk id="2054" creationId="{78D8050E-8B88-F171-8D51-A2E855B0DC16}"/>
-          </ac:picMkLst>
-        </pc:picChg>
       </pc:sldChg>
       <pc:sldChg chg="add del">
         <pc:chgData name="Mohammed Fasha" userId="cc64f42d-a1a6-4f08-b97b-0c37f877119f" providerId="ADAL" clId="{E5645173-9704-44B4-82F5-EF2938BAEEFE}" dt="2025-05-15T02:59:04.775" v="8692"/>
@@ -7362,38 +6713,6 @@
           <pc:docMk/>
           <pc:sldMk cId="1531923922" sldId="717"/>
         </pc:sldMkLst>
-        <pc:spChg chg="mod">
-          <ac:chgData name="Mohammed Fasha" userId="cc64f42d-a1a6-4f08-b97b-0c37f877119f" providerId="ADAL" clId="{E5645173-9704-44B4-82F5-EF2938BAEEFE}" dt="2025-05-15T03:03:13.909" v="8813" actId="113"/>
-          <ac:spMkLst>
-            <pc:docMk/>
-            <pc:sldMk cId="1531923922" sldId="717"/>
-            <ac:spMk id="2" creationId="{63F1011E-6C8C-6AE3-1221-8337CF030345}"/>
-          </ac:spMkLst>
-        </pc:spChg>
-        <pc:spChg chg="mod">
-          <ac:chgData name="Mohammed Fasha" userId="cc64f42d-a1a6-4f08-b97b-0c37f877119f" providerId="ADAL" clId="{E5645173-9704-44B4-82F5-EF2938BAEEFE}" dt="2025-05-15T03:13:39.066" v="8883" actId="179"/>
-          <ac:spMkLst>
-            <pc:docMk/>
-            <pc:sldMk cId="1531923922" sldId="717"/>
-            <ac:spMk id="3" creationId="{3516698F-8C37-299D-3236-990766797EBF}"/>
-          </ac:spMkLst>
-        </pc:spChg>
-        <pc:picChg chg="add del mod">
-          <ac:chgData name="Mohammed Fasha" userId="cc64f42d-a1a6-4f08-b97b-0c37f877119f" providerId="ADAL" clId="{E5645173-9704-44B4-82F5-EF2938BAEEFE}" dt="2025-05-15T03:16:42.426" v="8919" actId="478"/>
-          <ac:picMkLst>
-            <pc:docMk/>
-            <pc:sldMk cId="1531923922" sldId="717"/>
-            <ac:picMk id="5" creationId="{3882F16A-E0C7-B616-0BDA-15522FF44EDF}"/>
-          </ac:picMkLst>
-        </pc:picChg>
-        <pc:picChg chg="add mod">
-          <ac:chgData name="Mohammed Fasha" userId="cc64f42d-a1a6-4f08-b97b-0c37f877119f" providerId="ADAL" clId="{E5645173-9704-44B4-82F5-EF2938BAEEFE}" dt="2025-05-15T03:16:50.701" v="8922" actId="1076"/>
-          <ac:picMkLst>
-            <pc:docMk/>
-            <pc:sldMk cId="1531923922" sldId="717"/>
-            <ac:picMk id="4098" creationId="{691A7AE1-5205-7399-9AA8-01EA671DDE0C}"/>
-          </ac:picMkLst>
-        </pc:picChg>
       </pc:sldChg>
       <pc:sldChg chg="add del">
         <pc:chgData name="Mohammed Fasha" userId="cc64f42d-a1a6-4f08-b97b-0c37f877119f" providerId="ADAL" clId="{E5645173-9704-44B4-82F5-EF2938BAEEFE}" dt="2025-05-15T02:59:04.348" v="8691"/>
@@ -7415,38 +6734,6 @@
           <pc:docMk/>
           <pc:sldMk cId="2103253655" sldId="718"/>
         </pc:sldMkLst>
-        <pc:spChg chg="mod">
-          <ac:chgData name="Mohammed Fasha" userId="cc64f42d-a1a6-4f08-b97b-0c37f877119f" providerId="ADAL" clId="{E5645173-9704-44B4-82F5-EF2938BAEEFE}" dt="2025-05-15T03:04:28.350" v="8830" actId="27636"/>
-          <ac:spMkLst>
-            <pc:docMk/>
-            <pc:sldMk cId="2103253655" sldId="718"/>
-            <ac:spMk id="2" creationId="{A47CC1C6-8689-033F-32EC-01DC7D33CF4B}"/>
-          </ac:spMkLst>
-        </pc:spChg>
-        <pc:spChg chg="add del mod">
-          <ac:chgData name="Mohammed Fasha" userId="cc64f42d-a1a6-4f08-b97b-0c37f877119f" providerId="ADAL" clId="{E5645173-9704-44B4-82F5-EF2938BAEEFE}" dt="2025-05-15T04:48:25.137" v="9626" actId="20577"/>
-          <ac:spMkLst>
-            <pc:docMk/>
-            <pc:sldMk cId="2103253655" sldId="718"/>
-            <ac:spMk id="3" creationId="{40C27C1B-C86B-04FB-7536-77CDDCA8976D}"/>
-          </ac:spMkLst>
-        </pc:spChg>
-        <pc:spChg chg="add mod">
-          <ac:chgData name="Mohammed Fasha" userId="cc64f42d-a1a6-4f08-b97b-0c37f877119f" providerId="ADAL" clId="{E5645173-9704-44B4-82F5-EF2938BAEEFE}" dt="2025-05-15T03:04:10.734" v="8819"/>
-          <ac:spMkLst>
-            <pc:docMk/>
-            <pc:sldMk cId="2103253655" sldId="718"/>
-            <ac:spMk id="4" creationId="{EA8A1857-E697-65D9-D03A-87E4414D0E06}"/>
-          </ac:spMkLst>
-        </pc:spChg>
-        <pc:picChg chg="add mod">
-          <ac:chgData name="Mohammed Fasha" userId="cc64f42d-a1a6-4f08-b97b-0c37f877119f" providerId="ADAL" clId="{E5645173-9704-44B4-82F5-EF2938BAEEFE}" dt="2025-05-15T04:46:58.047" v="9572"/>
-          <ac:picMkLst>
-            <pc:docMk/>
-            <pc:sldMk cId="2103253655" sldId="718"/>
-            <ac:picMk id="5" creationId="{FB3DD9B9-EB08-230E-BDE8-E517B47D64D6}"/>
-          </ac:picMkLst>
-        </pc:picChg>
       </pc:sldChg>
       <pc:sldChg chg="modSp add del mod">
         <pc:chgData name="Mohammed Fasha" userId="cc64f42d-a1a6-4f08-b97b-0c37f877119f" providerId="ADAL" clId="{E5645173-9704-44B4-82F5-EF2938BAEEFE}" dt="2025-05-15T03:42:22.921" v="9096" actId="2696"/>
@@ -7454,22 +6741,6 @@
           <pc:docMk/>
           <pc:sldMk cId="430989504" sldId="719"/>
         </pc:sldMkLst>
-        <pc:spChg chg="mod">
-          <ac:chgData name="Mohammed Fasha" userId="cc64f42d-a1a6-4f08-b97b-0c37f877119f" providerId="ADAL" clId="{E5645173-9704-44B4-82F5-EF2938BAEEFE}" dt="2025-05-15T03:05:24.946" v="8845" actId="113"/>
-          <ac:spMkLst>
-            <pc:docMk/>
-            <pc:sldMk cId="430989504" sldId="719"/>
-            <ac:spMk id="2" creationId="{D6F99B98-A0C0-24D2-C82C-474C66D2D55E}"/>
-          </ac:spMkLst>
-        </pc:spChg>
-        <pc:spChg chg="mod">
-          <ac:chgData name="Mohammed Fasha" userId="cc64f42d-a1a6-4f08-b97b-0c37f877119f" providerId="ADAL" clId="{E5645173-9704-44B4-82F5-EF2938BAEEFE}" dt="2025-05-15T03:05:21.343" v="8840" actId="21"/>
-          <ac:spMkLst>
-            <pc:docMk/>
-            <pc:sldMk cId="430989504" sldId="719"/>
-            <ac:spMk id="3" creationId="{03BEDBB2-7658-9847-A038-D09DAFEDD408}"/>
-          </ac:spMkLst>
-        </pc:spChg>
       </pc:sldChg>
       <pc:sldChg chg="addSp delSp modSp new add del mod">
         <pc:chgData name="Mohammed Fasha" userId="cc64f42d-a1a6-4f08-b97b-0c37f877119f" providerId="ADAL" clId="{E5645173-9704-44B4-82F5-EF2938BAEEFE}" dt="2025-05-15T03:41:34.799" v="9095" actId="20577"/>
@@ -7477,46 +6748,6 @@
           <pc:docMk/>
           <pc:sldMk cId="3040149122" sldId="720"/>
         </pc:sldMkLst>
-        <pc:spChg chg="mod">
-          <ac:chgData name="Mohammed Fasha" userId="cc64f42d-a1a6-4f08-b97b-0c37f877119f" providerId="ADAL" clId="{E5645173-9704-44B4-82F5-EF2938BAEEFE}" dt="2025-05-15T03:41:34.799" v="9095" actId="20577"/>
-          <ac:spMkLst>
-            <pc:docMk/>
-            <pc:sldMk cId="3040149122" sldId="720"/>
-            <ac:spMk id="2" creationId="{BC229081-9D22-C6B6-3D3D-FB0762A7ECFA}"/>
-          </ac:spMkLst>
-        </pc:spChg>
-        <pc:spChg chg="add del mod">
-          <ac:chgData name="Mohammed Fasha" userId="cc64f42d-a1a6-4f08-b97b-0c37f877119f" providerId="ADAL" clId="{E5645173-9704-44B4-82F5-EF2938BAEEFE}" dt="2025-05-15T03:09:31.911" v="8864" actId="14100"/>
-          <ac:spMkLst>
-            <pc:docMk/>
-            <pc:sldMk cId="3040149122" sldId="720"/>
-            <ac:spMk id="3" creationId="{AA168C52-5740-6D0A-AAB7-DC825CF62B4F}"/>
-          </ac:spMkLst>
-        </pc:spChg>
-        <pc:spChg chg="add del">
-          <ac:chgData name="Mohammed Fasha" userId="cc64f42d-a1a6-4f08-b97b-0c37f877119f" providerId="ADAL" clId="{E5645173-9704-44B4-82F5-EF2938BAEEFE}" dt="2025-05-15T03:09:17.687" v="8859" actId="22"/>
-          <ac:spMkLst>
-            <pc:docMk/>
-            <pc:sldMk cId="3040149122" sldId="720"/>
-            <ac:spMk id="7" creationId="{BC31040E-B168-549D-F4BF-D20AC7C63E44}"/>
-          </ac:spMkLst>
-        </pc:spChg>
-        <pc:picChg chg="add del mod ord">
-          <ac:chgData name="Mohammed Fasha" userId="cc64f42d-a1a6-4f08-b97b-0c37f877119f" providerId="ADAL" clId="{E5645173-9704-44B4-82F5-EF2938BAEEFE}" dt="2025-05-15T03:09:21.138" v="8862" actId="22"/>
-          <ac:picMkLst>
-            <pc:docMk/>
-            <pc:sldMk cId="3040149122" sldId="720"/>
-            <ac:picMk id="5" creationId="{7D42410E-B5E8-E686-D276-A555A0A3932D}"/>
-          </ac:picMkLst>
-        </pc:picChg>
-        <pc:picChg chg="add mod">
-          <ac:chgData name="Mohammed Fasha" userId="cc64f42d-a1a6-4f08-b97b-0c37f877119f" providerId="ADAL" clId="{E5645173-9704-44B4-82F5-EF2938BAEEFE}" dt="2025-05-15T03:41:19.104" v="9091" actId="1076"/>
-          <ac:picMkLst>
-            <pc:docMk/>
-            <pc:sldMk cId="3040149122" sldId="720"/>
-            <ac:picMk id="9" creationId="{47A55F8F-42FD-9A8F-A2C3-50040DCAB5C3}"/>
-          </ac:picMkLst>
-        </pc:picChg>
       </pc:sldChg>
       <pc:sldChg chg="modSp new mod">
         <pc:chgData name="Mohammed Fasha" userId="cc64f42d-a1a6-4f08-b97b-0c37f877119f" providerId="ADAL" clId="{E5645173-9704-44B4-82F5-EF2938BAEEFE}" dt="2025-05-15T03:12:56.369" v="8880" actId="20577"/>
@@ -7524,22 +6755,6 @@
           <pc:docMk/>
           <pc:sldMk cId="2606999944" sldId="721"/>
         </pc:sldMkLst>
-        <pc:spChg chg="mod">
-          <ac:chgData name="Mohammed Fasha" userId="cc64f42d-a1a6-4f08-b97b-0c37f877119f" providerId="ADAL" clId="{E5645173-9704-44B4-82F5-EF2938BAEEFE}" dt="2025-05-15T03:12:56.369" v="8880" actId="20577"/>
-          <ac:spMkLst>
-            <pc:docMk/>
-            <pc:sldMk cId="2606999944" sldId="721"/>
-            <ac:spMk id="2" creationId="{6D4148F5-E31A-8253-6F0C-833EECDBDEF8}"/>
-          </ac:spMkLst>
-        </pc:spChg>
-        <pc:spChg chg="mod">
-          <ac:chgData name="Mohammed Fasha" userId="cc64f42d-a1a6-4f08-b97b-0c37f877119f" providerId="ADAL" clId="{E5645173-9704-44B4-82F5-EF2938BAEEFE}" dt="2025-05-15T03:12:53.147" v="8870"/>
-          <ac:spMkLst>
-            <pc:docMk/>
-            <pc:sldMk cId="2606999944" sldId="721"/>
-            <ac:spMk id="3" creationId="{7B5F9871-78B0-DF56-F612-0E83C4EC46F6}"/>
-          </ac:spMkLst>
-        </pc:spChg>
       </pc:sldChg>
       <pc:sldChg chg="addSp delSp modSp new mod">
         <pc:chgData name="Mohammed Fasha" userId="cc64f42d-a1a6-4f08-b97b-0c37f877119f" providerId="ADAL" clId="{E5645173-9704-44B4-82F5-EF2938BAEEFE}" dt="2025-05-15T04:02:23.418" v="9255" actId="14100"/>
@@ -7547,78 +6762,6 @@
           <pc:docMk/>
           <pc:sldMk cId="804993043" sldId="722"/>
         </pc:sldMkLst>
-        <pc:spChg chg="mod">
-          <ac:chgData name="Mohammed Fasha" userId="cc64f42d-a1a6-4f08-b97b-0c37f877119f" providerId="ADAL" clId="{E5645173-9704-44B4-82F5-EF2938BAEEFE}" dt="2025-05-15T03:14:29.960" v="8918" actId="20577"/>
-          <ac:spMkLst>
-            <pc:docMk/>
-            <pc:sldMk cId="804993043" sldId="722"/>
-            <ac:spMk id="2" creationId="{88D1F626-AEDB-6873-8C11-00CBA16461C2}"/>
-          </ac:spMkLst>
-        </pc:spChg>
-        <pc:spChg chg="mod">
-          <ac:chgData name="Mohammed Fasha" userId="cc64f42d-a1a6-4f08-b97b-0c37f877119f" providerId="ADAL" clId="{E5645173-9704-44B4-82F5-EF2938BAEEFE}" dt="2025-05-15T03:40:41.026" v="9086" actId="27636"/>
-          <ac:spMkLst>
-            <pc:docMk/>
-            <pc:sldMk cId="804993043" sldId="722"/>
-            <ac:spMk id="3" creationId="{649B3CA7-2A49-C7E0-188C-A56FEABE237E}"/>
-          </ac:spMkLst>
-        </pc:spChg>
-        <pc:picChg chg="add del mod">
-          <ac:chgData name="Mohammed Fasha" userId="cc64f42d-a1a6-4f08-b97b-0c37f877119f" providerId="ADAL" clId="{E5645173-9704-44B4-82F5-EF2938BAEEFE}" dt="2025-05-15T03:25:34.421" v="9058" actId="478"/>
-          <ac:picMkLst>
-            <pc:docMk/>
-            <pc:sldMk cId="804993043" sldId="722"/>
-            <ac:picMk id="4" creationId="{F7CCBC39-9B8A-FFD0-CF85-E3DC097B971B}"/>
-          </ac:picMkLst>
-        </pc:picChg>
-        <pc:picChg chg="add del mod">
-          <ac:chgData name="Mohammed Fasha" userId="cc64f42d-a1a6-4f08-b97b-0c37f877119f" providerId="ADAL" clId="{E5645173-9704-44B4-82F5-EF2938BAEEFE}" dt="2025-05-15T03:34:57.831" v="9077" actId="21"/>
-          <ac:picMkLst>
-            <pc:docMk/>
-            <pc:sldMk cId="804993043" sldId="722"/>
-            <ac:picMk id="6" creationId="{9D74FD9D-0601-0EB7-FC16-A9F6999342D9}"/>
-          </ac:picMkLst>
-        </pc:picChg>
-        <pc:picChg chg="add mod">
-          <ac:chgData name="Mohammed Fasha" userId="cc64f42d-a1a6-4f08-b97b-0c37f877119f" providerId="ADAL" clId="{E5645173-9704-44B4-82F5-EF2938BAEEFE}" dt="2025-05-15T04:01:54.989" v="9251" actId="1076"/>
-          <ac:picMkLst>
-            <pc:docMk/>
-            <pc:sldMk cId="804993043" sldId="722"/>
-            <ac:picMk id="7" creationId="{753D8AE0-8AEA-2920-E35A-8A7D4A5A711A}"/>
-          </ac:picMkLst>
-        </pc:picChg>
-        <pc:picChg chg="add del">
-          <ac:chgData name="Mohammed Fasha" userId="cc64f42d-a1a6-4f08-b97b-0c37f877119f" providerId="ADAL" clId="{E5645173-9704-44B4-82F5-EF2938BAEEFE}" dt="2025-05-15T04:02:17.173" v="9253" actId="22"/>
-          <ac:picMkLst>
-            <pc:docMk/>
-            <pc:sldMk cId="804993043" sldId="722"/>
-            <ac:picMk id="9" creationId="{A5783E4E-F008-B123-25BF-67C081A30491}"/>
-          </ac:picMkLst>
-        </pc:picChg>
-        <pc:picChg chg="add mod">
-          <ac:chgData name="Mohammed Fasha" userId="cc64f42d-a1a6-4f08-b97b-0c37f877119f" providerId="ADAL" clId="{E5645173-9704-44B4-82F5-EF2938BAEEFE}" dt="2025-05-15T04:02:23.418" v="9255" actId="14100"/>
-          <ac:picMkLst>
-            <pc:docMk/>
-            <pc:sldMk cId="804993043" sldId="722"/>
-            <ac:picMk id="10" creationId="{F2A59CAD-1EC7-D503-A3AB-581BF99C1136}"/>
-          </ac:picMkLst>
-        </pc:picChg>
-        <pc:picChg chg="add del mod">
-          <ac:chgData name="Mohammed Fasha" userId="cc64f42d-a1a6-4f08-b97b-0c37f877119f" providerId="ADAL" clId="{E5645173-9704-44B4-82F5-EF2938BAEEFE}" dt="2025-05-15T03:57:09.201" v="9231" actId="478"/>
-          <ac:picMkLst>
-            <pc:docMk/>
-            <pc:sldMk cId="804993043" sldId="722"/>
-            <ac:picMk id="6146" creationId="{C3BDDEAF-0434-CCAE-1C05-61A5C82B9F22}"/>
-          </ac:picMkLst>
-        </pc:picChg>
-        <pc:picChg chg="add mod">
-          <ac:chgData name="Mohammed Fasha" userId="cc64f42d-a1a6-4f08-b97b-0c37f877119f" providerId="ADAL" clId="{E5645173-9704-44B4-82F5-EF2938BAEEFE}" dt="2025-05-15T03:59:52.647" v="9236" actId="1076"/>
-          <ac:picMkLst>
-            <pc:docMk/>
-            <pc:sldMk cId="804993043" sldId="722"/>
-            <ac:picMk id="6148" creationId="{DFEAF8F2-66E1-5352-7434-DC01F20F739B}"/>
-          </ac:picMkLst>
-        </pc:picChg>
       </pc:sldChg>
       <pc:sldChg chg="addSp modSp new mod">
         <pc:chgData name="Mohammed Fasha" userId="cc64f42d-a1a6-4f08-b97b-0c37f877119f" providerId="ADAL" clId="{E5645173-9704-44B4-82F5-EF2938BAEEFE}" dt="2025-05-15T03:20:44.796" v="9046" actId="20577"/>
@@ -7626,30 +6769,6 @@
           <pc:docMk/>
           <pc:sldMk cId="891069820" sldId="723"/>
         </pc:sldMkLst>
-        <pc:spChg chg="mod">
-          <ac:chgData name="Mohammed Fasha" userId="cc64f42d-a1a6-4f08-b97b-0c37f877119f" providerId="ADAL" clId="{E5645173-9704-44B4-82F5-EF2938BAEEFE}" dt="2025-05-15T03:20:44.796" v="9046" actId="20577"/>
-          <ac:spMkLst>
-            <pc:docMk/>
-            <pc:sldMk cId="891069820" sldId="723"/>
-            <ac:spMk id="2" creationId="{9291BF62-2F7E-6590-39FA-FB1F5FFAF899}"/>
-          </ac:spMkLst>
-        </pc:spChg>
-        <pc:spChg chg="mod">
-          <ac:chgData name="Mohammed Fasha" userId="cc64f42d-a1a6-4f08-b97b-0c37f877119f" providerId="ADAL" clId="{E5645173-9704-44B4-82F5-EF2938BAEEFE}" dt="2025-05-15T03:20:11.914" v="8943" actId="14100"/>
-          <ac:spMkLst>
-            <pc:docMk/>
-            <pc:sldMk cId="891069820" sldId="723"/>
-            <ac:spMk id="3" creationId="{CA90DEF5-1E5E-D04D-BF0C-F0D7B34F5D4B}"/>
-          </ac:spMkLst>
-        </pc:spChg>
-        <pc:picChg chg="add mod">
-          <ac:chgData name="Mohammed Fasha" userId="cc64f42d-a1a6-4f08-b97b-0c37f877119f" providerId="ADAL" clId="{E5645173-9704-44B4-82F5-EF2938BAEEFE}" dt="2025-05-15T03:20:20.914" v="8946" actId="1076"/>
-          <ac:picMkLst>
-            <pc:docMk/>
-            <pc:sldMk cId="891069820" sldId="723"/>
-            <ac:picMk id="5122" creationId="{6FDD2DD2-7C0F-B929-FF38-C78B9541F87E}"/>
-          </ac:picMkLst>
-        </pc:picChg>
       </pc:sldChg>
       <pc:sldChg chg="add del">
         <pc:chgData name="Mohammed Fasha" userId="cc64f42d-a1a6-4f08-b97b-0c37f877119f" providerId="ADAL" clId="{E5645173-9704-44B4-82F5-EF2938BAEEFE}" dt="2025-05-15T03:29:23.034" v="9071"/>
@@ -7664,38 +6783,6 @@
           <pc:docMk/>
           <pc:sldMk cId="3100417036" sldId="724"/>
         </pc:sldMkLst>
-        <pc:spChg chg="mod">
-          <ac:chgData name="Mohammed Fasha" userId="cc64f42d-a1a6-4f08-b97b-0c37f877119f" providerId="ADAL" clId="{E5645173-9704-44B4-82F5-EF2938BAEEFE}" dt="2025-05-15T03:49:28.980" v="9135" actId="113"/>
-          <ac:spMkLst>
-            <pc:docMk/>
-            <pc:sldMk cId="3100417036" sldId="724"/>
-            <ac:spMk id="2" creationId="{830F253F-3BDF-37B9-6C98-285986427D3D}"/>
-          </ac:spMkLst>
-        </pc:spChg>
-        <pc:spChg chg="mod">
-          <ac:chgData name="Mohammed Fasha" userId="cc64f42d-a1a6-4f08-b97b-0c37f877119f" providerId="ADAL" clId="{E5645173-9704-44B4-82F5-EF2938BAEEFE}" dt="2025-05-15T03:54:21.901" v="9219" actId="1076"/>
-          <ac:spMkLst>
-            <pc:docMk/>
-            <pc:sldMk cId="3100417036" sldId="724"/>
-            <ac:spMk id="3" creationId="{03BFCCBA-35F0-B49A-3582-FB6A39B8B89C}"/>
-          </ac:spMkLst>
-        </pc:spChg>
-        <pc:spChg chg="add mod">
-          <ac:chgData name="Mohammed Fasha" userId="cc64f42d-a1a6-4f08-b97b-0c37f877119f" providerId="ADAL" clId="{E5645173-9704-44B4-82F5-EF2938BAEEFE}" dt="2025-05-15T04:08:44.235" v="9256" actId="1076"/>
-          <ac:spMkLst>
-            <pc:docMk/>
-            <pc:sldMk cId="3100417036" sldId="724"/>
-            <ac:spMk id="4" creationId="{36352EFF-7DB4-A983-FAF0-31F3DF68F3A4}"/>
-          </ac:spMkLst>
-        </pc:spChg>
-        <pc:picChg chg="add mod">
-          <ac:chgData name="Mohammed Fasha" userId="cc64f42d-a1a6-4f08-b97b-0c37f877119f" providerId="ADAL" clId="{E5645173-9704-44B4-82F5-EF2938BAEEFE}" dt="2025-05-15T03:54:25.440" v="9220" actId="1076"/>
-          <ac:picMkLst>
-            <pc:docMk/>
-            <pc:sldMk cId="3100417036" sldId="724"/>
-            <ac:picMk id="10242" creationId="{97DEEEAC-BD4C-49F7-32FD-8934878FF25F}"/>
-          </ac:picMkLst>
-        </pc:picChg>
       </pc:sldChg>
       <pc:sldChg chg="add del">
         <pc:chgData name="Mohammed Fasha" userId="cc64f42d-a1a6-4f08-b97b-0c37f877119f" providerId="ADAL" clId="{E5645173-9704-44B4-82F5-EF2938BAEEFE}" dt="2025-05-15T03:29:19.874" v="9069"/>
@@ -7710,38 +6797,6 @@
           <pc:docMk/>
           <pc:sldMk cId="2786155079" sldId="725"/>
         </pc:sldMkLst>
-        <pc:spChg chg="mod">
-          <ac:chgData name="Mohammed Fasha" userId="cc64f42d-a1a6-4f08-b97b-0c37f877119f" providerId="ADAL" clId="{E5645173-9704-44B4-82F5-EF2938BAEEFE}" dt="2025-05-15T03:50:29.268" v="9145" actId="113"/>
-          <ac:spMkLst>
-            <pc:docMk/>
-            <pc:sldMk cId="2786155079" sldId="725"/>
-            <ac:spMk id="2" creationId="{42037900-C1CD-474B-ED32-BB203097065E}"/>
-          </ac:spMkLst>
-        </pc:spChg>
-        <pc:spChg chg="add del mod">
-          <ac:chgData name="Mohammed Fasha" userId="cc64f42d-a1a6-4f08-b97b-0c37f877119f" providerId="ADAL" clId="{E5645173-9704-44B4-82F5-EF2938BAEEFE}" dt="2025-05-15T03:55:03.109" v="9221" actId="14100"/>
-          <ac:spMkLst>
-            <pc:docMk/>
-            <pc:sldMk cId="2786155079" sldId="725"/>
-            <ac:spMk id="3" creationId="{F385F79B-7510-CA46-625E-32D7E8B26C2B}"/>
-          </ac:spMkLst>
-        </pc:spChg>
-        <pc:spChg chg="add mod">
-          <ac:chgData name="Mohammed Fasha" userId="cc64f42d-a1a6-4f08-b97b-0c37f877119f" providerId="ADAL" clId="{E5645173-9704-44B4-82F5-EF2938BAEEFE}" dt="2025-05-15T03:50:16.709" v="9138"/>
-          <ac:spMkLst>
-            <pc:docMk/>
-            <pc:sldMk cId="2786155079" sldId="725"/>
-            <ac:spMk id="4" creationId="{633C0090-1690-E55B-23F8-912E39319DEB}"/>
-          </ac:spMkLst>
-        </pc:spChg>
-        <pc:picChg chg="add mod">
-          <ac:chgData name="Mohammed Fasha" userId="cc64f42d-a1a6-4f08-b97b-0c37f877119f" providerId="ADAL" clId="{E5645173-9704-44B4-82F5-EF2938BAEEFE}" dt="2025-05-15T03:55:22.470" v="9226" actId="14100"/>
-          <ac:picMkLst>
-            <pc:docMk/>
-            <pc:sldMk cId="2786155079" sldId="725"/>
-            <ac:picMk id="8195" creationId="{24046190-59E5-316A-AFBB-C3C61137B666}"/>
-          </ac:picMkLst>
-        </pc:picChg>
       </pc:sldChg>
       <pc:sldChg chg="addSp delSp modSp new mod">
         <pc:chgData name="Mohammed Fasha" userId="cc64f42d-a1a6-4f08-b97b-0c37f877119f" providerId="ADAL" clId="{E5645173-9704-44B4-82F5-EF2938BAEEFE}" dt="2025-05-15T04:39:13.474" v="9519" actId="113"/>
@@ -7749,30 +6804,6 @@
           <pc:docMk/>
           <pc:sldMk cId="2389328121" sldId="726"/>
         </pc:sldMkLst>
-        <pc:spChg chg="mod">
-          <ac:chgData name="Mohammed Fasha" userId="cc64f42d-a1a6-4f08-b97b-0c37f877119f" providerId="ADAL" clId="{E5645173-9704-44B4-82F5-EF2938BAEEFE}" dt="2025-05-15T04:39:13.474" v="9519" actId="113"/>
-          <ac:spMkLst>
-            <pc:docMk/>
-            <pc:sldMk cId="2389328121" sldId="726"/>
-            <ac:spMk id="2" creationId="{6C57A48C-1FB1-B7A8-622A-B00738BCFF7A}"/>
-          </ac:spMkLst>
-        </pc:spChg>
-        <pc:spChg chg="del">
-          <ac:chgData name="Mohammed Fasha" userId="cc64f42d-a1a6-4f08-b97b-0c37f877119f" providerId="ADAL" clId="{E5645173-9704-44B4-82F5-EF2938BAEEFE}" dt="2025-05-15T04:38:56.166" v="9509" actId="22"/>
-          <ac:spMkLst>
-            <pc:docMk/>
-            <pc:sldMk cId="2389328121" sldId="726"/>
-            <ac:spMk id="3" creationId="{8BD5B055-766F-BB8F-11EF-B706123820B1}"/>
-          </ac:spMkLst>
-        </pc:spChg>
-        <pc:picChg chg="add mod ord">
-          <ac:chgData name="Mohammed Fasha" userId="cc64f42d-a1a6-4f08-b97b-0c37f877119f" providerId="ADAL" clId="{E5645173-9704-44B4-82F5-EF2938BAEEFE}" dt="2025-05-15T04:38:56.166" v="9509" actId="22"/>
-          <ac:picMkLst>
-            <pc:docMk/>
-            <pc:sldMk cId="2389328121" sldId="726"/>
-            <ac:picMk id="5" creationId="{A8C1A391-D101-E260-CA41-AD9DE3DBB20C}"/>
-          </ac:picMkLst>
-        </pc:picChg>
       </pc:sldChg>
       <pc:sldChg chg="modSp new del mod">
         <pc:chgData name="Mohammed Fasha" userId="cc64f42d-a1a6-4f08-b97b-0c37f877119f" providerId="ADAL" clId="{E5645173-9704-44B4-82F5-EF2938BAEEFE}" dt="2025-05-15T05:03:12.905" v="9976" actId="2696"/>
@@ -7780,14 +6811,6 @@
           <pc:docMk/>
           <pc:sldMk cId="621465681" sldId="727"/>
         </pc:sldMkLst>
-        <pc:spChg chg="mod">
-          <ac:chgData name="Mohammed Fasha" userId="cc64f42d-a1a6-4f08-b97b-0c37f877119f" providerId="ADAL" clId="{E5645173-9704-44B4-82F5-EF2938BAEEFE}" dt="2025-05-15T04:24:46.362" v="9495"/>
-          <ac:spMkLst>
-            <pc:docMk/>
-            <pc:sldMk cId="621465681" sldId="727"/>
-            <ac:spMk id="2" creationId="{5E45D9AE-A95D-54AC-A4B7-D8399EA71A3D}"/>
-          </ac:spMkLst>
-        </pc:spChg>
       </pc:sldChg>
       <pc:sldChg chg="addSp delSp modSp new mod">
         <pc:chgData name="Mohammed Fasha" userId="cc64f42d-a1a6-4f08-b97b-0c37f877119f" providerId="ADAL" clId="{E5645173-9704-44B4-82F5-EF2938BAEEFE}" dt="2025-05-15T04:54:51.667" v="9727" actId="1076"/>
@@ -7795,54 +6818,6 @@
           <pc:docMk/>
           <pc:sldMk cId="3250248341" sldId="728"/>
         </pc:sldMkLst>
-        <pc:spChg chg="mod">
-          <ac:chgData name="Mohammed Fasha" userId="cc64f42d-a1a6-4f08-b97b-0c37f877119f" providerId="ADAL" clId="{E5645173-9704-44B4-82F5-EF2938BAEEFE}" dt="2025-05-15T04:54:47.694" v="9726" actId="20577"/>
-          <ac:spMkLst>
-            <pc:docMk/>
-            <pc:sldMk cId="3250248341" sldId="728"/>
-            <ac:spMk id="2" creationId="{D891D245-509D-26D2-135E-72F6683D8A9B}"/>
-          </ac:spMkLst>
-        </pc:spChg>
-        <pc:spChg chg="add del mod">
-          <ac:chgData name="Mohammed Fasha" userId="cc64f42d-a1a6-4f08-b97b-0c37f877119f" providerId="ADAL" clId="{E5645173-9704-44B4-82F5-EF2938BAEEFE}" dt="2025-05-15T04:54:21.016" v="9697" actId="14100"/>
-          <ac:spMkLst>
-            <pc:docMk/>
-            <pc:sldMk cId="3250248341" sldId="728"/>
-            <ac:spMk id="3" creationId="{7C104EB8-20DF-B7BD-8E2E-A7DAB641E3C2}"/>
-          </ac:spMkLst>
-        </pc:spChg>
-        <pc:spChg chg="add mod">
-          <ac:chgData name="Mohammed Fasha" userId="cc64f42d-a1a6-4f08-b97b-0c37f877119f" providerId="ADAL" clId="{E5645173-9704-44B4-82F5-EF2938BAEEFE}" dt="2025-05-15T04:52:18.156" v="9651"/>
-          <ac:spMkLst>
-            <pc:docMk/>
-            <pc:sldMk cId="3250248341" sldId="728"/>
-            <ac:spMk id="4" creationId="{FA67E6AD-9154-7954-1118-6A40482EDB8F}"/>
-          </ac:spMkLst>
-        </pc:spChg>
-        <pc:spChg chg="add mod">
-          <ac:chgData name="Mohammed Fasha" userId="cc64f42d-a1a6-4f08-b97b-0c37f877119f" providerId="ADAL" clId="{E5645173-9704-44B4-82F5-EF2938BAEEFE}" dt="2025-05-15T04:52:24.683" v="9653"/>
-          <ac:spMkLst>
-            <pc:docMk/>
-            <pc:sldMk cId="3250248341" sldId="728"/>
-            <ac:spMk id="5" creationId="{7878795B-BA85-AA2F-78C0-44882F9D5F51}"/>
-          </ac:spMkLst>
-        </pc:spChg>
-        <pc:spChg chg="add del">
-          <ac:chgData name="Mohammed Fasha" userId="cc64f42d-a1a6-4f08-b97b-0c37f877119f" providerId="ADAL" clId="{E5645173-9704-44B4-82F5-EF2938BAEEFE}" dt="2025-05-15T04:54:08.445" v="9690" actId="22"/>
-          <ac:spMkLst>
-            <pc:docMk/>
-            <pc:sldMk cId="3250248341" sldId="728"/>
-            <ac:spMk id="7" creationId="{0925DA7A-CE63-7C99-604F-7A90E1289120}"/>
-          </ac:spMkLst>
-        </pc:spChg>
-        <pc:spChg chg="add mod">
-          <ac:chgData name="Mohammed Fasha" userId="cc64f42d-a1a6-4f08-b97b-0c37f877119f" providerId="ADAL" clId="{E5645173-9704-44B4-82F5-EF2938BAEEFE}" dt="2025-05-15T04:54:51.667" v="9727" actId="1076"/>
-          <ac:spMkLst>
-            <pc:docMk/>
-            <pc:sldMk cId="3250248341" sldId="728"/>
-            <ac:spMk id="8" creationId="{4CBB9AE0-E0D2-F819-5ED1-F81F53562B0D}"/>
-          </ac:spMkLst>
-        </pc:spChg>
       </pc:sldChg>
       <pc:sldChg chg="addSp delSp modSp new mod">
         <pc:chgData name="Mohammed Fasha" userId="cc64f42d-a1a6-4f08-b97b-0c37f877119f" providerId="ADAL" clId="{E5645173-9704-44B4-82F5-EF2938BAEEFE}" dt="2025-05-15T04:58:25.674" v="9826" actId="1076"/>
@@ -7850,46 +6825,6 @@
           <pc:docMk/>
           <pc:sldMk cId="3408307560" sldId="729"/>
         </pc:sldMkLst>
-        <pc:spChg chg="mod">
-          <ac:chgData name="Mohammed Fasha" userId="cc64f42d-a1a6-4f08-b97b-0c37f877119f" providerId="ADAL" clId="{E5645173-9704-44B4-82F5-EF2938BAEEFE}" dt="2025-05-15T04:56:07.613" v="9751" actId="6549"/>
-          <ac:spMkLst>
-            <pc:docMk/>
-            <pc:sldMk cId="3408307560" sldId="729"/>
-            <ac:spMk id="2" creationId="{412EB3D4-A1F3-2F7A-7A90-D063445C2B36}"/>
-          </ac:spMkLst>
-        </pc:spChg>
-        <pc:spChg chg="add del mod">
-          <ac:chgData name="Mohammed Fasha" userId="cc64f42d-a1a6-4f08-b97b-0c37f877119f" providerId="ADAL" clId="{E5645173-9704-44B4-82F5-EF2938BAEEFE}" dt="2025-05-15T04:58:06.364" v="9819" actId="14100"/>
-          <ac:spMkLst>
-            <pc:docMk/>
-            <pc:sldMk cId="3408307560" sldId="729"/>
-            <ac:spMk id="3" creationId="{43352F30-396C-A81F-BA7A-21CFD8340773}"/>
-          </ac:spMkLst>
-        </pc:spChg>
-        <pc:spChg chg="add mod">
-          <ac:chgData name="Mohammed Fasha" userId="cc64f42d-a1a6-4f08-b97b-0c37f877119f" providerId="ADAL" clId="{E5645173-9704-44B4-82F5-EF2938BAEEFE}" dt="2025-05-15T04:55:02.869" v="9730"/>
-          <ac:spMkLst>
-            <pc:docMk/>
-            <pc:sldMk cId="3408307560" sldId="729"/>
-            <ac:spMk id="4" creationId="{7FDA7A07-EAA6-58D4-ECB5-A7AC0B0687A3}"/>
-          </ac:spMkLst>
-        </pc:spChg>
-        <pc:spChg chg="add">
-          <ac:chgData name="Mohammed Fasha" userId="cc64f42d-a1a6-4f08-b97b-0c37f877119f" providerId="ADAL" clId="{E5645173-9704-44B4-82F5-EF2938BAEEFE}" dt="2025-05-15T04:56:16.538" v="9757"/>
-          <ac:spMkLst>
-            <pc:docMk/>
-            <pc:sldMk cId="3408307560" sldId="729"/>
-            <ac:spMk id="5" creationId="{8F023D7A-229F-8C9C-9B0B-BBD657CC7D92}"/>
-          </ac:spMkLst>
-        </pc:spChg>
-        <pc:spChg chg="add mod">
-          <ac:chgData name="Mohammed Fasha" userId="cc64f42d-a1a6-4f08-b97b-0c37f877119f" providerId="ADAL" clId="{E5645173-9704-44B4-82F5-EF2938BAEEFE}" dt="2025-05-15T04:58:25.674" v="9826" actId="1076"/>
-          <ac:spMkLst>
-            <pc:docMk/>
-            <pc:sldMk cId="3408307560" sldId="729"/>
-            <ac:spMk id="6" creationId="{D433A1E4-AE0C-279C-351E-AC56A1760B65}"/>
-          </ac:spMkLst>
-        </pc:spChg>
       </pc:sldChg>
       <pc:sldChg chg="addSp delSp modSp new mod">
         <pc:chgData name="Mohammed Fasha" userId="cc64f42d-a1a6-4f08-b97b-0c37f877119f" providerId="ADAL" clId="{E5645173-9704-44B4-82F5-EF2938BAEEFE}" dt="2025-05-15T04:59:09.735" v="9843" actId="27636"/>
@@ -7897,38 +6832,6 @@
           <pc:docMk/>
           <pc:sldMk cId="3223936825" sldId="730"/>
         </pc:sldMkLst>
-        <pc:spChg chg="mod">
-          <ac:chgData name="Mohammed Fasha" userId="cc64f42d-a1a6-4f08-b97b-0c37f877119f" providerId="ADAL" clId="{E5645173-9704-44B4-82F5-EF2938BAEEFE}" dt="2025-05-15T04:58:48.396" v="9835" actId="113"/>
-          <ac:spMkLst>
-            <pc:docMk/>
-            <pc:sldMk cId="3223936825" sldId="730"/>
-            <ac:spMk id="2" creationId="{5B859120-A216-8FAD-289F-0A189F71F386}"/>
-          </ac:spMkLst>
-        </pc:spChg>
-        <pc:spChg chg="del mod">
-          <ac:chgData name="Mohammed Fasha" userId="cc64f42d-a1a6-4f08-b97b-0c37f877119f" providerId="ADAL" clId="{E5645173-9704-44B4-82F5-EF2938BAEEFE}" dt="2025-05-15T04:58:12.209" v="9821" actId="21"/>
-          <ac:spMkLst>
-            <pc:docMk/>
-            <pc:sldMk cId="3223936825" sldId="730"/>
-            <ac:spMk id="3" creationId="{D433A1E4-AE0C-279C-351E-AC56A1760B65}"/>
-          </ac:spMkLst>
-        </pc:spChg>
-        <pc:spChg chg="add mod">
-          <ac:chgData name="Mohammed Fasha" userId="cc64f42d-a1a6-4f08-b97b-0c37f877119f" providerId="ADAL" clId="{E5645173-9704-44B4-82F5-EF2938BAEEFE}" dt="2025-05-15T04:59:06.922" v="9841" actId="27636"/>
-          <ac:spMkLst>
-            <pc:docMk/>
-            <pc:sldMk cId="3223936825" sldId="730"/>
-            <ac:spMk id="5" creationId="{6AE66E86-0D21-219D-CD19-2BF8EC185C8C}"/>
-          </ac:spMkLst>
-        </pc:spChg>
-        <pc:spChg chg="add mod">
-          <ac:chgData name="Mohammed Fasha" userId="cc64f42d-a1a6-4f08-b97b-0c37f877119f" providerId="ADAL" clId="{E5645173-9704-44B4-82F5-EF2938BAEEFE}" dt="2025-05-15T04:59:09.735" v="9843" actId="27636"/>
-          <ac:spMkLst>
-            <pc:docMk/>
-            <pc:sldMk cId="3223936825" sldId="730"/>
-            <ac:spMk id="6" creationId="{855F2E6E-9B95-8AB4-3EBF-F1D9268543F4}"/>
-          </ac:spMkLst>
-        </pc:spChg>
       </pc:sldChg>
       <pc:sldChg chg="addSp modSp add mod">
         <pc:chgData name="Mohammed Fasha" userId="cc64f42d-a1a6-4f08-b97b-0c37f877119f" providerId="ADAL" clId="{E5645173-9704-44B4-82F5-EF2938BAEEFE}" dt="2025-05-15T05:02:55.147" v="9974" actId="403"/>
@@ -7936,38 +6839,6 @@
           <pc:docMk/>
           <pc:sldMk cId="3324260488" sldId="731"/>
         </pc:sldMkLst>
-        <pc:spChg chg="mod">
-          <ac:chgData name="Mohammed Fasha" userId="cc64f42d-a1a6-4f08-b97b-0c37f877119f" providerId="ADAL" clId="{E5645173-9704-44B4-82F5-EF2938BAEEFE}" dt="2025-05-15T05:02:47.007" v="9972" actId="113"/>
-          <ac:spMkLst>
-            <pc:docMk/>
-            <pc:sldMk cId="3324260488" sldId="731"/>
-            <ac:spMk id="2" creationId="{80B82632-281D-2FBA-04D3-4ABA62DF2E9D}"/>
-          </ac:spMkLst>
-        </pc:spChg>
-        <pc:spChg chg="mod">
-          <ac:chgData name="Mohammed Fasha" userId="cc64f42d-a1a6-4f08-b97b-0c37f877119f" providerId="ADAL" clId="{E5645173-9704-44B4-82F5-EF2938BAEEFE}" dt="2025-05-15T05:02:38.294" v="9963" actId="21"/>
-          <ac:spMkLst>
-            <pc:docMk/>
-            <pc:sldMk cId="3324260488" sldId="731"/>
-            <ac:spMk id="3" creationId="{7ACB41A6-598C-00DB-95DE-BE5A35F5C63C}"/>
-          </ac:spMkLst>
-        </pc:spChg>
-        <pc:spChg chg="add">
-          <ac:chgData name="Mohammed Fasha" userId="cc64f42d-a1a6-4f08-b97b-0c37f877119f" providerId="ADAL" clId="{E5645173-9704-44B4-82F5-EF2938BAEEFE}" dt="2025-05-15T05:00:31.671" v="9871"/>
-          <ac:spMkLst>
-            <pc:docMk/>
-            <pc:sldMk cId="3324260488" sldId="731"/>
-            <ac:spMk id="4" creationId="{820D8BA6-1C7D-7F69-7607-A07E7D183E84}"/>
-          </ac:spMkLst>
-        </pc:spChg>
-        <pc:spChg chg="add mod">
-          <ac:chgData name="Mohammed Fasha" userId="cc64f42d-a1a6-4f08-b97b-0c37f877119f" providerId="ADAL" clId="{E5645173-9704-44B4-82F5-EF2938BAEEFE}" dt="2025-05-15T05:02:55.147" v="9974" actId="403"/>
-          <ac:spMkLst>
-            <pc:docMk/>
-            <pc:sldMk cId="3324260488" sldId="731"/>
-            <ac:spMk id="5" creationId="{0BE2D450-3C60-477C-2838-DC6DCB540CA2}"/>
-          </ac:spMkLst>
-        </pc:spChg>
       </pc:sldChg>
       <pc:sldChg chg="add del">
         <pc:chgData name="Mohammed Fasha" userId="cc64f42d-a1a6-4f08-b97b-0c37f877119f" providerId="ADAL" clId="{E5645173-9704-44B4-82F5-EF2938BAEEFE}" dt="2025-05-15T05:03:08.860" v="9975" actId="2696"/>
@@ -7982,46 +6853,6 @@
           <pc:docMk/>
           <pc:sldMk cId="2631294473" sldId="732"/>
         </pc:sldMkLst>
-        <pc:spChg chg="mod">
-          <ac:chgData name="Mohammed Fasha" userId="cc64f42d-a1a6-4f08-b97b-0c37f877119f" providerId="ADAL" clId="{E5645173-9704-44B4-82F5-EF2938BAEEFE}" dt="2025-05-16T04:35:48.100" v="10346" actId="21"/>
-          <ac:spMkLst>
-            <pc:docMk/>
-            <pc:sldMk cId="2631294473" sldId="732"/>
-            <ac:spMk id="2" creationId="{5D577673-F061-91BC-2923-9913F43F24C0}"/>
-          </ac:spMkLst>
-        </pc:spChg>
-        <pc:spChg chg="mod">
-          <ac:chgData name="Mohammed Fasha" userId="cc64f42d-a1a6-4f08-b97b-0c37f877119f" providerId="ADAL" clId="{E5645173-9704-44B4-82F5-EF2938BAEEFE}" dt="2025-05-16T04:21:50.654" v="10197" actId="404"/>
-          <ac:spMkLst>
-            <pc:docMk/>
-            <pc:sldMk cId="2631294473" sldId="732"/>
-            <ac:spMk id="3" creationId="{73B4E527-98F8-8A50-C835-CF6A56508EB6}"/>
-          </ac:spMkLst>
-        </pc:spChg>
-        <pc:picChg chg="add mod">
-          <ac:chgData name="Mohammed Fasha" userId="cc64f42d-a1a6-4f08-b97b-0c37f877119f" providerId="ADAL" clId="{E5645173-9704-44B4-82F5-EF2938BAEEFE}" dt="2025-05-16T04:21:46.677" v="10196" actId="1076"/>
-          <ac:picMkLst>
-            <pc:docMk/>
-            <pc:sldMk cId="2631294473" sldId="732"/>
-            <ac:picMk id="4" creationId="{E0735B52-A991-6E12-A468-3D428ECAB398}"/>
-          </ac:picMkLst>
-        </pc:picChg>
-        <pc:picChg chg="add del">
-          <ac:chgData name="Mohammed Fasha" userId="cc64f42d-a1a6-4f08-b97b-0c37f877119f" providerId="ADAL" clId="{E5645173-9704-44B4-82F5-EF2938BAEEFE}" dt="2025-05-16T04:24:04.224" v="10225" actId="22"/>
-          <ac:picMkLst>
-            <pc:docMk/>
-            <pc:sldMk cId="2631294473" sldId="732"/>
-            <ac:picMk id="6" creationId="{87A8DE69-EBF7-38EE-0962-AAC801A2B7B9}"/>
-          </ac:picMkLst>
-        </pc:picChg>
-        <pc:picChg chg="add del mod">
-          <ac:chgData name="Mohammed Fasha" userId="cc64f42d-a1a6-4f08-b97b-0c37f877119f" providerId="ADAL" clId="{E5645173-9704-44B4-82F5-EF2938BAEEFE}" dt="2025-05-16T04:24:29.128" v="10231" actId="478"/>
-          <ac:picMkLst>
-            <pc:docMk/>
-            <pc:sldMk cId="2631294473" sldId="732"/>
-            <ac:picMk id="7" creationId="{B2E5F7DA-5E8D-A7F1-4118-63EF7AD8035D}"/>
-          </ac:picMkLst>
-        </pc:picChg>
       </pc:sldChg>
       <pc:sldChg chg="addSp delSp modSp new mod">
         <pc:chgData name="Mohammed Fasha" userId="cc64f42d-a1a6-4f08-b97b-0c37f877119f" providerId="ADAL" clId="{E5645173-9704-44B4-82F5-EF2938BAEEFE}" dt="2025-05-16T04:35:50.610" v="10347" actId="21"/>
@@ -8029,46 +6860,6 @@
           <pc:docMk/>
           <pc:sldMk cId="1867889696" sldId="733"/>
         </pc:sldMkLst>
-        <pc:spChg chg="mod">
-          <ac:chgData name="Mohammed Fasha" userId="cc64f42d-a1a6-4f08-b97b-0c37f877119f" providerId="ADAL" clId="{E5645173-9704-44B4-82F5-EF2938BAEEFE}" dt="2025-05-16T04:35:50.610" v="10347" actId="21"/>
-          <ac:spMkLst>
-            <pc:docMk/>
-            <pc:sldMk cId="1867889696" sldId="733"/>
-            <ac:spMk id="2" creationId="{C14F240A-9FA8-D317-F15A-25698727F8A3}"/>
-          </ac:spMkLst>
-        </pc:spChg>
-        <pc:spChg chg="mod">
-          <ac:chgData name="Mohammed Fasha" userId="cc64f42d-a1a6-4f08-b97b-0c37f877119f" providerId="ADAL" clId="{E5645173-9704-44B4-82F5-EF2938BAEEFE}" dt="2025-05-16T04:22:54.601" v="10206" actId="27636"/>
-          <ac:spMkLst>
-            <pc:docMk/>
-            <pc:sldMk cId="1867889696" sldId="733"/>
-            <ac:spMk id="3" creationId="{2F07E1E6-9B68-78BE-A1FD-BCD8E9668B2D}"/>
-          </ac:spMkLst>
-        </pc:spChg>
-        <pc:picChg chg="add del mod">
-          <ac:chgData name="Mohammed Fasha" userId="cc64f42d-a1a6-4f08-b97b-0c37f877119f" providerId="ADAL" clId="{E5645173-9704-44B4-82F5-EF2938BAEEFE}" dt="2025-05-16T04:22:11.581" v="10200" actId="478"/>
-          <ac:picMkLst>
-            <pc:docMk/>
-            <pc:sldMk cId="1867889696" sldId="733"/>
-            <ac:picMk id="4" creationId="{B0CF34D6-6B49-1CC4-035C-47A6E46351EB}"/>
-          </ac:picMkLst>
-        </pc:picChg>
-        <pc:picChg chg="add mod">
-          <ac:chgData name="Mohammed Fasha" userId="cc64f42d-a1a6-4f08-b97b-0c37f877119f" providerId="ADAL" clId="{E5645173-9704-44B4-82F5-EF2938BAEEFE}" dt="2025-05-16T04:22:12.556" v="10201"/>
-          <ac:picMkLst>
-            <pc:docMk/>
-            <pc:sldMk cId="1867889696" sldId="733"/>
-            <ac:picMk id="5" creationId="{488169DE-7CE2-631A-557F-E86F7C136813}"/>
-          </ac:picMkLst>
-        </pc:picChg>
-        <pc:picChg chg="add del mod">
-          <ac:chgData name="Mohammed Fasha" userId="cc64f42d-a1a6-4f08-b97b-0c37f877119f" providerId="ADAL" clId="{E5645173-9704-44B4-82F5-EF2938BAEEFE}" dt="2025-05-16T04:24:25.757" v="10230" actId="478"/>
-          <ac:picMkLst>
-            <pc:docMk/>
-            <pc:sldMk cId="1867889696" sldId="733"/>
-            <ac:picMk id="6" creationId="{4A79433D-9B74-D082-EF24-F598744B3DCC}"/>
-          </ac:picMkLst>
-        </pc:picChg>
       </pc:sldChg>
       <pc:sldChg chg="addSp delSp modSp new mod">
         <pc:chgData name="Mohammed Fasha" userId="cc64f42d-a1a6-4f08-b97b-0c37f877119f" providerId="ADAL" clId="{E5645173-9704-44B4-82F5-EF2938BAEEFE}" dt="2025-05-16T04:36:16.674" v="10353" actId="207"/>
@@ -8076,30 +6867,6 @@
           <pc:docMk/>
           <pc:sldMk cId="573823219" sldId="734"/>
         </pc:sldMkLst>
-        <pc:spChg chg="mod">
-          <ac:chgData name="Mohammed Fasha" userId="cc64f42d-a1a6-4f08-b97b-0c37f877119f" providerId="ADAL" clId="{E5645173-9704-44B4-82F5-EF2938BAEEFE}" dt="2025-05-16T04:23:38.290" v="10220" actId="113"/>
-          <ac:spMkLst>
-            <pc:docMk/>
-            <pc:sldMk cId="573823219" sldId="734"/>
-            <ac:spMk id="2" creationId="{D1AD6280-B25E-887C-D564-7B8CF767D039}"/>
-          </ac:spMkLst>
-        </pc:spChg>
-        <pc:spChg chg="del">
-          <ac:chgData name="Mohammed Fasha" userId="cc64f42d-a1a6-4f08-b97b-0c37f877119f" providerId="ADAL" clId="{E5645173-9704-44B4-82F5-EF2938BAEEFE}" dt="2025-05-16T04:23:21.797" v="10208"/>
-          <ac:spMkLst>
-            <pc:docMk/>
-            <pc:sldMk cId="573823219" sldId="734"/>
-            <ac:spMk id="3" creationId="{09F6CD58-F4CF-51FC-EE6B-6AB392E170BB}"/>
-          </ac:spMkLst>
-        </pc:spChg>
-        <pc:graphicFrameChg chg="add mod modGraphic">
-          <ac:chgData name="Mohammed Fasha" userId="cc64f42d-a1a6-4f08-b97b-0c37f877119f" providerId="ADAL" clId="{E5645173-9704-44B4-82F5-EF2938BAEEFE}" dt="2025-05-16T04:36:16.674" v="10353" actId="207"/>
-          <ac:graphicFrameMkLst>
-            <pc:docMk/>
-            <pc:sldMk cId="573823219" sldId="734"/>
-            <ac:graphicFrameMk id="4" creationId="{17B6063B-ACFF-9544-C430-44C31BC0BA87}"/>
-          </ac:graphicFrameMkLst>
-        </pc:graphicFrameChg>
       </pc:sldChg>
       <pc:sldChg chg="addSp modSp new mod">
         <pc:chgData name="Mohammed Fasha" userId="cc64f42d-a1a6-4f08-b97b-0c37f877119f" providerId="ADAL" clId="{E5645173-9704-44B4-82F5-EF2938BAEEFE}" dt="2025-05-16T04:35:39.732" v="10345"/>
@@ -8107,30 +6874,6 @@
           <pc:docMk/>
           <pc:sldMk cId="3192820892" sldId="735"/>
         </pc:sldMkLst>
-        <pc:spChg chg="mod">
-          <ac:chgData name="Mohammed Fasha" userId="cc64f42d-a1a6-4f08-b97b-0c37f877119f" providerId="ADAL" clId="{E5645173-9704-44B4-82F5-EF2938BAEEFE}" dt="2025-05-16T04:27:19.478" v="10242"/>
-          <ac:spMkLst>
-            <pc:docMk/>
-            <pc:sldMk cId="3192820892" sldId="735"/>
-            <ac:spMk id="2" creationId="{15EB2244-8A2C-EBD9-3FC5-12C4707918F2}"/>
-          </ac:spMkLst>
-        </pc:spChg>
-        <pc:spChg chg="mod">
-          <ac:chgData name="Mohammed Fasha" userId="cc64f42d-a1a6-4f08-b97b-0c37f877119f" providerId="ADAL" clId="{E5645173-9704-44B4-82F5-EF2938BAEEFE}" dt="2025-05-16T04:35:39.035" v="10344" actId="27636"/>
-          <ac:spMkLst>
-            <pc:docMk/>
-            <pc:sldMk cId="3192820892" sldId="735"/>
-            <ac:spMk id="3" creationId="{25759D29-9231-5D33-A878-6C1F3BEC8AF3}"/>
-          </ac:spMkLst>
-        </pc:spChg>
-        <pc:picChg chg="add mod">
-          <ac:chgData name="Mohammed Fasha" userId="cc64f42d-a1a6-4f08-b97b-0c37f877119f" providerId="ADAL" clId="{E5645173-9704-44B4-82F5-EF2938BAEEFE}" dt="2025-05-16T04:35:39.732" v="10345"/>
-          <ac:picMkLst>
-            <pc:docMk/>
-            <pc:sldMk cId="3192820892" sldId="735"/>
-            <ac:picMk id="4" creationId="{9A4E2A75-348C-1F59-F261-BEB87E731F11}"/>
-          </ac:picMkLst>
-        </pc:picChg>
       </pc:sldChg>
       <pc:sldChg chg="addSp modSp new mod ord">
         <pc:chgData name="Mohammed Fasha" userId="cc64f42d-a1a6-4f08-b97b-0c37f877119f" providerId="ADAL" clId="{E5645173-9704-44B4-82F5-EF2938BAEEFE}" dt="2025-05-16T04:34:00.342" v="10330"/>
@@ -8138,30 +6881,6 @@
           <pc:docMk/>
           <pc:sldMk cId="1955003592" sldId="736"/>
         </pc:sldMkLst>
-        <pc:spChg chg="mod">
-          <ac:chgData name="Mohammed Fasha" userId="cc64f42d-a1a6-4f08-b97b-0c37f877119f" providerId="ADAL" clId="{E5645173-9704-44B4-82F5-EF2938BAEEFE}" dt="2025-05-16T04:33:28.665" v="10327" actId="20577"/>
-          <ac:spMkLst>
-            <pc:docMk/>
-            <pc:sldMk cId="1955003592" sldId="736"/>
-            <ac:spMk id="2" creationId="{27434760-3919-8B10-FC11-8053BDB2CAD2}"/>
-          </ac:spMkLst>
-        </pc:spChg>
-        <pc:spChg chg="mod">
-          <ac:chgData name="Mohammed Fasha" userId="cc64f42d-a1a6-4f08-b97b-0c37f877119f" providerId="ADAL" clId="{E5645173-9704-44B4-82F5-EF2938BAEEFE}" dt="2025-05-16T04:33:05.121" v="10268" actId="14100"/>
-          <ac:spMkLst>
-            <pc:docMk/>
-            <pc:sldMk cId="1955003592" sldId="736"/>
-            <ac:spMk id="3" creationId="{7BE0C3A7-9E98-20DA-1C42-B70BE204BDB7}"/>
-          </ac:spMkLst>
-        </pc:spChg>
-        <pc:picChg chg="add mod">
-          <ac:chgData name="Mohammed Fasha" userId="cc64f42d-a1a6-4f08-b97b-0c37f877119f" providerId="ADAL" clId="{E5645173-9704-44B4-82F5-EF2938BAEEFE}" dt="2025-05-16T04:34:00.342" v="10330"/>
-          <ac:picMkLst>
-            <pc:docMk/>
-            <pc:sldMk cId="1955003592" sldId="736"/>
-            <ac:picMk id="5" creationId="{CB9C3261-1335-0842-02CC-8DD1510E315E}"/>
-          </ac:picMkLst>
-        </pc:picChg>
       </pc:sldChg>
       <pc:sldChg chg="modSp add mod">
         <pc:chgData name="Mohammed Fasha" userId="cc64f42d-a1a6-4f08-b97b-0c37f877119f" providerId="ADAL" clId="{E5645173-9704-44B4-82F5-EF2938BAEEFE}" dt="2025-05-16T04:36:56.564" v="10356"/>
@@ -8169,14 +6888,6 @@
           <pc:docMk/>
           <pc:sldMk cId="3290031034" sldId="737"/>
         </pc:sldMkLst>
-        <pc:spChg chg="mod">
-          <ac:chgData name="Mohammed Fasha" userId="cc64f42d-a1a6-4f08-b97b-0c37f877119f" providerId="ADAL" clId="{E5645173-9704-44B4-82F5-EF2938BAEEFE}" dt="2025-05-16T04:36:56.564" v="10356"/>
-          <ac:spMkLst>
-            <pc:docMk/>
-            <pc:sldMk cId="3290031034" sldId="737"/>
-            <ac:spMk id="2" creationId="{53F19BC9-3130-8E73-6F68-C5867078F545}"/>
-          </ac:spMkLst>
-        </pc:spChg>
       </pc:sldChg>
       <pc:sldMasterChg chg="delSldLayout modSldLayout">
         <pc:chgData name="Mohammed Fasha" userId="cc64f42d-a1a6-4f08-b97b-0c37f877119f" providerId="ADAL" clId="{E5645173-9704-44B4-82F5-EF2938BAEEFE}" dt="2025-04-29T15:49:58.514" v="3975" actId="47"/>
@@ -8485,7 +7196,7 @@
           <a:p>
             <a:fld id="{13BA03A4-B9F1-404C-8A74-B1AFD6480953}" type="datetimeFigureOut">
               <a:rPr lang="en-US" smtClean="0"/>
-              <a:t>5/16/2025</a:t>
+              <a:t>5/18/2025</a:t>
             </a:fld>
             <a:endParaRPr lang="en-US"/>
           </a:p>
@@ -8899,7 +7610,7 @@
           <a:p>
             <a:fld id="{0DB78E95-DE77-44D3-BDB9-E242948FB112}" type="datetimeFigureOut">
               <a:rPr lang="en-US" smtClean="0"/>
-              <a:t>5/16/2025</a:t>
+              <a:t>5/18/2025</a:t>
             </a:fld>
             <a:endParaRPr lang="en-US"/>
           </a:p>
@@ -9127,7 +7838,7 @@
           <a:p>
             <a:fld id="{0DB78E95-DE77-44D3-BDB9-E242948FB112}" type="datetimeFigureOut">
               <a:rPr lang="en-US" smtClean="0"/>
-              <a:t>5/16/2025</a:t>
+              <a:t>5/18/2025</a:t>
             </a:fld>
             <a:endParaRPr lang="en-US"/>
           </a:p>
@@ -9335,7 +8046,7 @@
           <a:p>
             <a:fld id="{0DB78E95-DE77-44D3-BDB9-E242948FB112}" type="datetimeFigureOut">
               <a:rPr lang="en-US" smtClean="0"/>
-              <a:t>5/16/2025</a:t>
+              <a:t>5/18/2025</a:t>
             </a:fld>
             <a:endParaRPr lang="en-US"/>
           </a:p>
@@ -9766,7 +8477,7 @@
           <a:p>
             <a:fld id="{0DB78E95-DE77-44D3-BDB9-E242948FB112}" type="datetimeFigureOut">
               <a:rPr lang="en-US" smtClean="0"/>
-              <a:t>5/16/2025</a:t>
+              <a:t>5/18/2025</a:t>
             </a:fld>
             <a:endParaRPr lang="en-US"/>
           </a:p>
@@ -10145,7 +8856,7 @@
           <a:p>
             <a:fld id="{0DB78E95-DE77-44D3-BDB9-E242948FB112}" type="datetimeFigureOut">
               <a:rPr lang="en-US" smtClean="0"/>
-              <a:t>5/16/2025</a:t>
+              <a:t>5/18/2025</a:t>
             </a:fld>
             <a:endParaRPr lang="en-US"/>
           </a:p>
@@ -10557,7 +9268,7 @@
           <a:p>
             <a:fld id="{0DB78E95-DE77-44D3-BDB9-E242948FB112}" type="datetimeFigureOut">
               <a:rPr lang="en-US" smtClean="0"/>
-              <a:t>5/16/2025</a:t>
+              <a:t>5/18/2025</a:t>
             </a:fld>
             <a:endParaRPr lang="en-US"/>
           </a:p>
@@ -10709,7 +9420,7 @@
           <a:p>
             <a:fld id="{0DB78E95-DE77-44D3-BDB9-E242948FB112}" type="datetimeFigureOut">
               <a:rPr lang="en-US" smtClean="0"/>
-              <a:t>5/16/2025</a:t>
+              <a:t>5/18/2025</a:t>
             </a:fld>
             <a:endParaRPr lang="en-US"/>
           </a:p>
@@ -10822,7 +9533,7 @@
           <a:p>
             <a:fld id="{0DB78E95-DE77-44D3-BDB9-E242948FB112}" type="datetimeFigureOut">
               <a:rPr lang="en-US" smtClean="0"/>
-              <a:t>5/16/2025</a:t>
+              <a:t>5/18/2025</a:t>
             </a:fld>
             <a:endParaRPr lang="en-US"/>
           </a:p>
@@ -11133,7 +9844,7 @@
           <a:p>
             <a:fld id="{0DB78E95-DE77-44D3-BDB9-E242948FB112}" type="datetimeFigureOut">
               <a:rPr lang="en-US" smtClean="0"/>
-              <a:t>5/16/2025</a:t>
+              <a:t>5/18/2025</a:t>
             </a:fld>
             <a:endParaRPr lang="en-US"/>
           </a:p>
@@ -11421,7 +10132,7 @@
           <a:p>
             <a:fld id="{0DB78E95-DE77-44D3-BDB9-E242948FB112}" type="datetimeFigureOut">
               <a:rPr lang="en-US" smtClean="0"/>
-              <a:t>5/16/2025</a:t>
+              <a:t>5/18/2025</a:t>
             </a:fld>
             <a:endParaRPr lang="en-US"/>
           </a:p>
@@ -11662,7 +10373,7 @@
           <a:p>
             <a:fld id="{0DB78E95-DE77-44D3-BDB9-E242948FB112}" type="datetimeFigureOut">
               <a:rPr lang="en-US" smtClean="0"/>
-              <a:t>5/16/2025</a:t>
+              <a:t>5/18/2025</a:t>
             </a:fld>
             <a:endParaRPr lang="en-US"/>
           </a:p>
@@ -13643,6 +12354,37 @@
           </a:p>
         </p:txBody>
       </p:sp>
+      <p:pic>
+        <p:nvPicPr>
+          <p:cNvPr id="4" name="Picture 3">
+            <a:hlinkClick r:id="rId2"/>
+            <a:extLst>
+              <a:ext uri="{FF2B5EF4-FFF2-40B4-BE49-F238E27FC236}">
+                <a16:creationId xmlns:a16="http://schemas.microsoft.com/office/drawing/2014/main" id="{49EA008E-9093-72A6-39E1-F648E71BFDF6}"/>
+              </a:ext>
+            </a:extLst>
+          </p:cNvPr>
+          <p:cNvPicPr>
+            <a:picLocks noChangeAspect="1"/>
+          </p:cNvPicPr>
+          <p:nvPr/>
+        </p:nvPicPr>
+        <p:blipFill>
+          <a:blip r:embed="rId3"/>
+          <a:stretch>
+            <a:fillRect/>
+          </a:stretch>
+        </p:blipFill>
+        <p:spPr>
+          <a:xfrm>
+            <a:off x="10611236" y="6435296"/>
+            <a:ext cx="1114425" cy="190500"/>
+          </a:xfrm>
+          <a:prstGeom prst="rect">
+            <a:avLst/>
+          </a:prstGeom>
+        </p:spPr>
+      </p:pic>
     </p:spTree>
     <p:extLst>
       <p:ext uri="{BB962C8B-B14F-4D97-AF65-F5344CB8AC3E}">
